--- a/25ass/react qury.pptx
+++ b/25ass/react qury.pptx
@@ -14,6 +14,17 @@
     <p:sldId id="262" r:id="rId8"/>
     <p:sldId id="263" r:id="rId9"/>
     <p:sldId id="264" r:id="rId10"/>
+    <p:sldId id="265" r:id="rId11"/>
+    <p:sldId id="266" r:id="rId12"/>
+    <p:sldId id="267" r:id="rId13"/>
+    <p:sldId id="268" r:id="rId14"/>
+    <p:sldId id="269" r:id="rId15"/>
+    <p:sldId id="270" r:id="rId16"/>
+    <p:sldId id="271" r:id="rId17"/>
+    <p:sldId id="272" r:id="rId18"/>
+    <p:sldId id="273" r:id="rId19"/>
+    <p:sldId id="274" r:id="rId20"/>
+    <p:sldId id="275" r:id="rId21"/>
   </p:sldIdLst>
   <p:sldSz cx="12192000" cy="6858000"/>
   <p:notesSz cx="6858000" cy="9144000"/>
@@ -3852,7 +3863,7 @@
           <a:p>
             <a:fld id="{66AA3E5F-75C7-AE4F-9E0A-F1394A7BDDF9}" type="datetimeFigureOut">
               <a:rPr lang="en-IL" smtClean="0"/>
-              <a:t>31/08/2023</a:t>
+              <a:t>27/09/2023</a:t>
             </a:fld>
             <a:endParaRPr lang="en-IL"/>
           </a:p>
@@ -4052,7 +4063,7 @@
           <a:p>
             <a:fld id="{66AA3E5F-75C7-AE4F-9E0A-F1394A7BDDF9}" type="datetimeFigureOut">
               <a:rPr lang="en-IL" smtClean="0"/>
-              <a:t>31/08/2023</a:t>
+              <a:t>27/09/2023</a:t>
             </a:fld>
             <a:endParaRPr lang="en-IL"/>
           </a:p>
@@ -4262,7 +4273,7 @@
           <a:p>
             <a:fld id="{66AA3E5F-75C7-AE4F-9E0A-F1394A7BDDF9}" type="datetimeFigureOut">
               <a:rPr lang="en-IL" smtClean="0"/>
-              <a:t>31/08/2023</a:t>
+              <a:t>27/09/2023</a:t>
             </a:fld>
             <a:endParaRPr lang="en-IL"/>
           </a:p>
@@ -4462,7 +4473,7 @@
           <a:p>
             <a:fld id="{66AA3E5F-75C7-AE4F-9E0A-F1394A7BDDF9}" type="datetimeFigureOut">
               <a:rPr lang="en-IL" smtClean="0"/>
-              <a:t>31/08/2023</a:t>
+              <a:t>27/09/2023</a:t>
             </a:fld>
             <a:endParaRPr lang="en-IL"/>
           </a:p>
@@ -4738,7 +4749,7 @@
           <a:p>
             <a:fld id="{66AA3E5F-75C7-AE4F-9E0A-F1394A7BDDF9}" type="datetimeFigureOut">
               <a:rPr lang="en-IL" smtClean="0"/>
-              <a:t>31/08/2023</a:t>
+              <a:t>27/09/2023</a:t>
             </a:fld>
             <a:endParaRPr lang="en-IL"/>
           </a:p>
@@ -5006,7 +5017,7 @@
           <a:p>
             <a:fld id="{66AA3E5F-75C7-AE4F-9E0A-F1394A7BDDF9}" type="datetimeFigureOut">
               <a:rPr lang="en-IL" smtClean="0"/>
-              <a:t>31/08/2023</a:t>
+              <a:t>27/09/2023</a:t>
             </a:fld>
             <a:endParaRPr lang="en-IL"/>
           </a:p>
@@ -5421,7 +5432,7 @@
           <a:p>
             <a:fld id="{66AA3E5F-75C7-AE4F-9E0A-F1394A7BDDF9}" type="datetimeFigureOut">
               <a:rPr lang="en-IL" smtClean="0"/>
-              <a:t>31/08/2023</a:t>
+              <a:t>27/09/2023</a:t>
             </a:fld>
             <a:endParaRPr lang="en-IL"/>
           </a:p>
@@ -5563,7 +5574,7 @@
           <a:p>
             <a:fld id="{66AA3E5F-75C7-AE4F-9E0A-F1394A7BDDF9}" type="datetimeFigureOut">
               <a:rPr lang="en-IL" smtClean="0"/>
-              <a:t>31/08/2023</a:t>
+              <a:t>27/09/2023</a:t>
             </a:fld>
             <a:endParaRPr lang="en-IL"/>
           </a:p>
@@ -5676,7 +5687,7 @@
           <a:p>
             <a:fld id="{66AA3E5F-75C7-AE4F-9E0A-F1394A7BDDF9}" type="datetimeFigureOut">
               <a:rPr lang="en-IL" smtClean="0"/>
-              <a:t>31/08/2023</a:t>
+              <a:t>27/09/2023</a:t>
             </a:fld>
             <a:endParaRPr lang="en-IL"/>
           </a:p>
@@ -5989,7 +6000,7 @@
           <a:p>
             <a:fld id="{66AA3E5F-75C7-AE4F-9E0A-F1394A7BDDF9}" type="datetimeFigureOut">
               <a:rPr lang="en-IL" smtClean="0"/>
-              <a:t>31/08/2023</a:t>
+              <a:t>27/09/2023</a:t>
             </a:fld>
             <a:endParaRPr lang="en-IL"/>
           </a:p>
@@ -6278,7 +6289,7 @@
           <a:p>
             <a:fld id="{66AA3E5F-75C7-AE4F-9E0A-F1394A7BDDF9}" type="datetimeFigureOut">
               <a:rPr lang="en-IL" smtClean="0"/>
-              <a:t>31/08/2023</a:t>
+              <a:t>27/09/2023</a:t>
             </a:fld>
             <a:endParaRPr lang="en-IL"/>
           </a:p>
@@ -6521,7 +6532,7 @@
           <a:p>
             <a:fld id="{66AA3E5F-75C7-AE4F-9E0A-F1394A7BDDF9}" type="datetimeFigureOut">
               <a:rPr lang="en-IL" smtClean="0"/>
-              <a:t>31/08/2023</a:t>
+              <a:t>27/09/2023</a:t>
             </a:fld>
             <a:endParaRPr lang="en-IL"/>
           </a:p>
@@ -7391,6 +7402,2065 @@
 </p:sld>
 </file>
 
+<file path=ppt/slides/slide10.xml><?xml version="1.0" encoding="utf-8"?>
+<p:sld xmlns:a="http://schemas.openxmlformats.org/drawingml/2006/main" xmlns:r="http://schemas.openxmlformats.org/officeDocument/2006/relationships" xmlns:p="http://schemas.openxmlformats.org/presentationml/2006/main">
+  <p:cSld>
+    <p:bg>
+      <p:bgPr>
+        <a:solidFill>
+          <a:schemeClr val="bg1"/>
+        </a:solidFill>
+        <a:effectLst/>
+      </p:bgPr>
+    </p:bg>
+    <p:spTree>
+      <p:nvGrpSpPr>
+        <p:cNvPr id="1" name=""/>
+        <p:cNvGrpSpPr/>
+        <p:nvPr/>
+      </p:nvGrpSpPr>
+      <p:grpSpPr>
+        <a:xfrm>
+          <a:off x="0" y="0"/>
+          <a:ext cx="0" cy="0"/>
+          <a:chOff x="0" y="0"/>
+          <a:chExt cx="0" cy="0"/>
+        </a:xfrm>
+      </p:grpSpPr>
+      <p:sp>
+        <p:nvSpPr>
+          <p:cNvPr id="10" name="Rectangle 9">
+            <a:extLst>
+              <a:ext uri="{FF2B5EF4-FFF2-40B4-BE49-F238E27FC236}">
+                <a16:creationId xmlns:a16="http://schemas.microsoft.com/office/drawing/2014/main" id="{A4AC5506-6312-4701-8D3C-40187889A947}"/>
+              </a:ext>
+              <a:ext uri="{C183D7F6-B498-43B3-948B-1728B52AA6E4}">
+                <adec:decorative xmlns:adec="http://schemas.microsoft.com/office/drawing/2017/decorative" val="1"/>
+              </a:ext>
+            </a:extLst>
+          </p:cNvPr>
+          <p:cNvSpPr>
+            <a:spLocks noGrp="1" noRot="1" noChangeAspect="1" noMove="1" noResize="1" noEditPoints="1" noAdjustHandles="1" noChangeArrowheads="1" noChangeShapeType="1" noTextEdit="1"/>
+          </p:cNvSpPr>
+          <p:nvPr>
+            <p:extLst>
+              <p:ext uri="{386F3935-93C4-4BCD-93E2-E3B085C9AB24}">
+                <p16:designElem xmlns:p16="http://schemas.microsoft.com/office/powerpoint/2015/main" val="1"/>
+              </p:ext>
+            </p:extLst>
+          </p:nvPr>
+        </p:nvSpPr>
+        <p:spPr>
+          <a:xfrm>
+            <a:off x="0" y="651752"/>
+            <a:ext cx="12192000" cy="736551"/>
+          </a:xfrm>
+          <a:prstGeom prst="rect">
+            <a:avLst/>
+          </a:prstGeom>
+          <a:solidFill>
+            <a:schemeClr val="tx1"/>
+          </a:solidFill>
+          <a:ln>
+            <a:noFill/>
+          </a:ln>
+        </p:spPr>
+        <p:style>
+          <a:lnRef idx="2">
+            <a:schemeClr val="accent1">
+              <a:shade val="50000"/>
+            </a:schemeClr>
+          </a:lnRef>
+          <a:fillRef idx="1">
+            <a:schemeClr val="accent1"/>
+          </a:fillRef>
+          <a:effectRef idx="0">
+            <a:schemeClr val="accent1"/>
+          </a:effectRef>
+          <a:fontRef idx="minor">
+            <a:schemeClr val="lt1"/>
+          </a:fontRef>
+        </p:style>
+        <p:txBody>
+          <a:bodyPr rtlCol="0" anchor="ctr"/>
+          <a:lstStyle/>
+          <a:p>
+            <a:pPr algn="ctr"/>
+            <a:endParaRPr lang="en-US"/>
+          </a:p>
+        </p:txBody>
+      </p:sp>
+      <p:sp>
+        <p:nvSpPr>
+          <p:cNvPr id="2" name="Title 1">
+            <a:extLst>
+              <a:ext uri="{FF2B5EF4-FFF2-40B4-BE49-F238E27FC236}">
+                <a16:creationId xmlns:a16="http://schemas.microsoft.com/office/drawing/2014/main" id="{E8C1C3AF-3FB1-7023-BDA3-43B95FAF2864}"/>
+              </a:ext>
+            </a:extLst>
+          </p:cNvPr>
+          <p:cNvSpPr>
+            <a:spLocks noGrp="1"/>
+          </p:cNvSpPr>
+          <p:nvPr>
+            <p:ph type="title"/>
+          </p:nvPr>
+        </p:nvSpPr>
+        <p:spPr>
+          <a:xfrm>
+            <a:off x="556532" y="643467"/>
+            <a:ext cx="11210925" cy="744836"/>
+          </a:xfrm>
+        </p:spPr>
+        <p:txBody>
+          <a:bodyPr vert="horz" lIns="91440" tIns="45720" rIns="91440" bIns="45720" rtlCol="0" anchor="ctr">
+            <a:normAutofit/>
+          </a:bodyPr>
+          <a:lstStyle/>
+          <a:p>
+            <a:pPr algn="ctr"/>
+            <a:r>
+              <a:rPr lang="en-US" sz="3200" kern="1200" dirty="0">
+                <a:solidFill>
+                  <a:schemeClr val="bg1"/>
+                </a:solidFill>
+                <a:latin typeface="+mj-lt"/>
+                <a:ea typeface="+mj-ea"/>
+                <a:cs typeface="+mj-cs"/>
+              </a:rPr>
+              <a:t>Use Query</a:t>
+            </a:r>
+          </a:p>
+        </p:txBody>
+      </p:sp>
+      <p:pic>
+        <p:nvPicPr>
+          <p:cNvPr id="5" name="Content Placeholder 4" descr="A computer screen with text and symbols&#10;&#10;Description automatically generated">
+            <a:extLst>
+              <a:ext uri="{FF2B5EF4-FFF2-40B4-BE49-F238E27FC236}">
+                <a16:creationId xmlns:a16="http://schemas.microsoft.com/office/drawing/2014/main" id="{D641D0BE-AFC5-AECA-3B84-107810339D34}"/>
+              </a:ext>
+            </a:extLst>
+          </p:cNvPr>
+          <p:cNvPicPr>
+            <a:picLocks noGrp="1" noChangeAspect="1"/>
+          </p:cNvPicPr>
+          <p:nvPr>
+            <p:ph idx="1"/>
+          </p:nvPr>
+        </p:nvPicPr>
+        <p:blipFill>
+          <a:blip r:embed="rId2"/>
+          <a:stretch>
+            <a:fillRect/>
+          </a:stretch>
+        </p:blipFill>
+        <p:spPr>
+          <a:xfrm>
+            <a:off x="1766738" y="1675227"/>
+            <a:ext cx="8658523" cy="4394199"/>
+          </a:xfrm>
+          <a:prstGeom prst="rect">
+            <a:avLst/>
+          </a:prstGeom>
+        </p:spPr>
+      </p:pic>
+    </p:spTree>
+    <p:extLst>
+      <p:ext uri="{BB962C8B-B14F-4D97-AF65-F5344CB8AC3E}">
+        <p14:creationId xmlns:p14="http://schemas.microsoft.com/office/powerpoint/2010/main" val="2609224005"/>
+      </p:ext>
+    </p:extLst>
+  </p:cSld>
+  <p:clrMapOvr>
+    <a:masterClrMapping/>
+  </p:clrMapOvr>
+</p:sld>
+</file>
+
+<file path=ppt/slides/slide11.xml><?xml version="1.0" encoding="utf-8"?>
+<p:sld xmlns:a="http://schemas.openxmlformats.org/drawingml/2006/main" xmlns:r="http://schemas.openxmlformats.org/officeDocument/2006/relationships" xmlns:p="http://schemas.openxmlformats.org/presentationml/2006/main">
+  <p:cSld>
+    <p:bg>
+      <p:bgPr>
+        <a:solidFill>
+          <a:schemeClr val="bg1"/>
+        </a:solidFill>
+        <a:effectLst/>
+      </p:bgPr>
+    </p:bg>
+    <p:spTree>
+      <p:nvGrpSpPr>
+        <p:cNvPr id="1" name=""/>
+        <p:cNvGrpSpPr/>
+        <p:nvPr/>
+      </p:nvGrpSpPr>
+      <p:grpSpPr>
+        <a:xfrm>
+          <a:off x="0" y="0"/>
+          <a:ext cx="0" cy="0"/>
+          <a:chOff x="0" y="0"/>
+          <a:chExt cx="0" cy="0"/>
+        </a:xfrm>
+      </p:grpSpPr>
+      <p:sp>
+        <p:nvSpPr>
+          <p:cNvPr id="10" name="Down Arrow 7">
+            <a:extLst>
+              <a:ext uri="{FF2B5EF4-FFF2-40B4-BE49-F238E27FC236}">
+                <a16:creationId xmlns:a16="http://schemas.microsoft.com/office/drawing/2014/main" id="{D4771268-CB57-404A-9271-370EB28F6090}"/>
+              </a:ext>
+              <a:ext uri="{C183D7F6-B498-43B3-948B-1728B52AA6E4}">
+                <adec:decorative xmlns:adec="http://schemas.microsoft.com/office/drawing/2017/decorative" val="1"/>
+              </a:ext>
+            </a:extLst>
+          </p:cNvPr>
+          <p:cNvSpPr>
+            <a:spLocks noGrp="1" noRot="1" noChangeAspect="1" noMove="1" noResize="1" noEditPoints="1" noAdjustHandles="1" noChangeArrowheads="1" noChangeShapeType="1" noTextEdit="1"/>
+          </p:cNvSpPr>
+          <p:nvPr>
+            <p:extLst>
+              <p:ext uri="{386F3935-93C4-4BCD-93E2-E3B085C9AB24}">
+                <p16:designElem xmlns:p16="http://schemas.microsoft.com/office/powerpoint/2015/main" val="1"/>
+              </p:ext>
+            </p:extLst>
+          </p:nvPr>
+        </p:nvSpPr>
+        <p:spPr>
+          <a:xfrm rot="16200000">
+            <a:off x="800100" y="1491343"/>
+            <a:ext cx="3333749" cy="3499103"/>
+          </a:xfrm>
+          <a:prstGeom prst="downArrow">
+            <a:avLst>
+              <a:gd name="adj1" fmla="val 100000"/>
+              <a:gd name="adj2" fmla="val 15788"/>
+            </a:avLst>
+          </a:prstGeom>
+          <a:solidFill>
+            <a:srgbClr val="404040"/>
+          </a:solidFill>
+          <a:ln w="53975">
+            <a:noFill/>
+          </a:ln>
+        </p:spPr>
+        <p:style>
+          <a:lnRef idx="2">
+            <a:schemeClr val="accent1">
+              <a:shade val="50000"/>
+            </a:schemeClr>
+          </a:lnRef>
+          <a:fillRef idx="1">
+            <a:schemeClr val="accent1"/>
+          </a:fillRef>
+          <a:effectRef idx="0">
+            <a:schemeClr val="accent1"/>
+          </a:effectRef>
+          <a:fontRef idx="minor">
+            <a:schemeClr val="lt1"/>
+          </a:fontRef>
+        </p:style>
+        <p:txBody>
+          <a:bodyPr rtlCol="0" anchor="ctr"/>
+          <a:lstStyle/>
+          <a:p>
+            <a:pPr algn="ctr"/>
+            <a:endParaRPr lang="en-US"/>
+          </a:p>
+        </p:txBody>
+      </p:sp>
+      <p:sp>
+        <p:nvSpPr>
+          <p:cNvPr id="2" name="Title 1">
+            <a:extLst>
+              <a:ext uri="{FF2B5EF4-FFF2-40B4-BE49-F238E27FC236}">
+                <a16:creationId xmlns:a16="http://schemas.microsoft.com/office/drawing/2014/main" id="{E8C1C3AF-3FB1-7023-BDA3-43B95FAF2864}"/>
+              </a:ext>
+            </a:extLst>
+          </p:cNvPr>
+          <p:cNvSpPr>
+            <a:spLocks noGrp="1"/>
+          </p:cNvSpPr>
+          <p:nvPr>
+            <p:ph type="title"/>
+          </p:nvPr>
+        </p:nvSpPr>
+        <p:spPr>
+          <a:xfrm>
+            <a:off x="1028700" y="1967266"/>
+            <a:ext cx="2628900" cy="2547257"/>
+          </a:xfrm>
+          <a:noFill/>
+        </p:spPr>
+        <p:txBody>
+          <a:bodyPr vert="horz" lIns="91440" tIns="45720" rIns="91440" bIns="45720" rtlCol="0" anchor="ctr">
+            <a:normAutofit/>
+          </a:bodyPr>
+          <a:lstStyle/>
+          <a:p>
+            <a:pPr algn="ctr"/>
+            <a:r>
+              <a:rPr lang="en-US" sz="3600" b="1" i="0" kern="1200">
+                <a:solidFill>
+                  <a:srgbClr val="FFFFFF"/>
+                </a:solidFill>
+                <a:effectLst/>
+                <a:latin typeface="+mj-lt"/>
+                <a:ea typeface="+mj-ea"/>
+                <a:cs typeface="+mj-cs"/>
+              </a:rPr>
+              <a:t>useMutation</a:t>
+            </a:r>
+            <a:endParaRPr lang="en-US" sz="3600" kern="1200">
+              <a:solidFill>
+                <a:srgbClr val="FFFFFF"/>
+              </a:solidFill>
+              <a:latin typeface="+mj-lt"/>
+              <a:ea typeface="+mj-ea"/>
+              <a:cs typeface="+mj-cs"/>
+            </a:endParaRPr>
+          </a:p>
+        </p:txBody>
+      </p:sp>
+      <p:pic>
+        <p:nvPicPr>
+          <p:cNvPr id="5" name="Content Placeholder 4" descr="A computer screen with text and images&#10;&#10;Description automatically generated">
+            <a:extLst>
+              <a:ext uri="{FF2B5EF4-FFF2-40B4-BE49-F238E27FC236}">
+                <a16:creationId xmlns:a16="http://schemas.microsoft.com/office/drawing/2014/main" id="{6C799D39-D4CB-B2BC-6770-3E0253BB39FF}"/>
+              </a:ext>
+            </a:extLst>
+          </p:cNvPr>
+          <p:cNvPicPr>
+            <a:picLocks noGrp="1" noChangeAspect="1"/>
+          </p:cNvPicPr>
+          <p:nvPr>
+            <p:ph idx="1"/>
+          </p:nvPr>
+        </p:nvPicPr>
+        <p:blipFill>
+          <a:blip r:embed="rId2"/>
+          <a:stretch>
+            <a:fillRect/>
+          </a:stretch>
+        </p:blipFill>
+        <p:spPr>
+          <a:xfrm>
+            <a:off x="4777316" y="1334294"/>
+            <a:ext cx="6780700" cy="4187082"/>
+          </a:xfrm>
+          <a:prstGeom prst="rect">
+            <a:avLst/>
+          </a:prstGeom>
+        </p:spPr>
+      </p:pic>
+    </p:spTree>
+    <p:extLst>
+      <p:ext uri="{BB962C8B-B14F-4D97-AF65-F5344CB8AC3E}">
+        <p14:creationId xmlns:p14="http://schemas.microsoft.com/office/powerpoint/2010/main" val="1035465934"/>
+      </p:ext>
+    </p:extLst>
+  </p:cSld>
+  <p:clrMapOvr>
+    <a:masterClrMapping/>
+  </p:clrMapOvr>
+</p:sld>
+</file>
+
+<file path=ppt/slides/slide12.xml><?xml version="1.0" encoding="utf-8"?>
+<p:sld xmlns:a="http://schemas.openxmlformats.org/drawingml/2006/main" xmlns:r="http://schemas.openxmlformats.org/officeDocument/2006/relationships" xmlns:p="http://schemas.openxmlformats.org/presentationml/2006/main">
+  <p:cSld>
+    <p:bg>
+      <p:bgPr>
+        <a:solidFill>
+          <a:schemeClr val="bg1"/>
+        </a:solidFill>
+        <a:effectLst/>
+      </p:bgPr>
+    </p:bg>
+    <p:spTree>
+      <p:nvGrpSpPr>
+        <p:cNvPr id="1" name=""/>
+        <p:cNvGrpSpPr/>
+        <p:nvPr/>
+      </p:nvGrpSpPr>
+      <p:grpSpPr>
+        <a:xfrm>
+          <a:off x="0" y="0"/>
+          <a:ext cx="0" cy="0"/>
+          <a:chOff x="0" y="0"/>
+          <a:chExt cx="0" cy="0"/>
+        </a:xfrm>
+      </p:grpSpPr>
+      <p:sp>
+        <p:nvSpPr>
+          <p:cNvPr id="10" name="Rectangle 9">
+            <a:extLst>
+              <a:ext uri="{FF2B5EF4-FFF2-40B4-BE49-F238E27FC236}">
+                <a16:creationId xmlns:a16="http://schemas.microsoft.com/office/drawing/2014/main" id="{6753252F-4873-4F63-801D-CC719279A7D5}"/>
+              </a:ext>
+              <a:ext uri="{C183D7F6-B498-43B3-948B-1728B52AA6E4}">
+                <adec:decorative xmlns:adec="http://schemas.microsoft.com/office/drawing/2017/decorative" val="1"/>
+              </a:ext>
+            </a:extLst>
+          </p:cNvPr>
+          <p:cNvSpPr>
+            <a:spLocks noGrp="1" noRot="1" noChangeAspect="1" noMove="1" noResize="1" noEditPoints="1" noAdjustHandles="1" noChangeArrowheads="1" noChangeShapeType="1" noTextEdit="1"/>
+          </p:cNvSpPr>
+          <p:nvPr>
+            <p:extLst>
+              <p:ext uri="{386F3935-93C4-4BCD-93E2-E3B085C9AB24}">
+                <p16:designElem xmlns:p16="http://schemas.microsoft.com/office/powerpoint/2015/main" val="1"/>
+              </p:ext>
+            </p:extLst>
+          </p:nvPr>
+        </p:nvSpPr>
+        <p:spPr>
+          <a:xfrm>
+            <a:off x="0" y="0"/>
+            <a:ext cx="12192000" cy="6858000"/>
+          </a:xfrm>
+          <a:prstGeom prst="rect">
+            <a:avLst/>
+          </a:prstGeom>
+          <a:solidFill>
+            <a:srgbClr val="FFFFFF"/>
+          </a:solidFill>
+          <a:ln>
+            <a:noFill/>
+          </a:ln>
+        </p:spPr>
+        <p:style>
+          <a:lnRef idx="2">
+            <a:schemeClr val="accent1">
+              <a:shade val="50000"/>
+            </a:schemeClr>
+          </a:lnRef>
+          <a:fillRef idx="1">
+            <a:schemeClr val="accent1"/>
+          </a:fillRef>
+          <a:effectRef idx="0">
+            <a:schemeClr val="accent1"/>
+          </a:effectRef>
+          <a:fontRef idx="minor">
+            <a:schemeClr val="lt1"/>
+          </a:fontRef>
+        </p:style>
+        <p:txBody>
+          <a:bodyPr rtlCol="0" anchor="ctr"/>
+          <a:lstStyle/>
+          <a:p>
+            <a:pPr algn="ctr"/>
+            <a:endParaRPr lang="en-US"/>
+          </a:p>
+        </p:txBody>
+      </p:sp>
+      <p:sp>
+        <p:nvSpPr>
+          <p:cNvPr id="12" name="Rectangle 11">
+            <a:extLst>
+              <a:ext uri="{FF2B5EF4-FFF2-40B4-BE49-F238E27FC236}">
+                <a16:creationId xmlns:a16="http://schemas.microsoft.com/office/drawing/2014/main" id="{047C8CCB-F95D-4249-92DD-651249D3535A}"/>
+              </a:ext>
+              <a:ext uri="{C183D7F6-B498-43B3-948B-1728B52AA6E4}">
+                <adec:decorative xmlns:adec="http://schemas.microsoft.com/office/drawing/2017/decorative" val="1"/>
+              </a:ext>
+            </a:extLst>
+          </p:cNvPr>
+          <p:cNvSpPr>
+            <a:spLocks noGrp="1" noRot="1" noChangeAspect="1" noMove="1" noResize="1" noEditPoints="1" noAdjustHandles="1" noChangeArrowheads="1" noChangeShapeType="1" noTextEdit="1"/>
+          </p:cNvSpPr>
+          <p:nvPr>
+            <p:extLst>
+              <p:ext uri="{386F3935-93C4-4BCD-93E2-E3B085C9AB24}">
+                <p16:designElem xmlns:p16="http://schemas.microsoft.com/office/powerpoint/2015/main" val="1"/>
+              </p:ext>
+            </p:extLst>
+          </p:nvPr>
+        </p:nvSpPr>
+        <p:spPr>
+          <a:xfrm>
+            <a:off x="0" y="0"/>
+            <a:ext cx="2013557" cy="6858000"/>
+          </a:xfrm>
+          <a:prstGeom prst="rect">
+            <a:avLst/>
+          </a:prstGeom>
+          <a:solidFill>
+            <a:srgbClr val="7F7F7F"/>
+          </a:solidFill>
+          <a:ln>
+            <a:noFill/>
+          </a:ln>
+        </p:spPr>
+        <p:style>
+          <a:lnRef idx="2">
+            <a:schemeClr val="accent1">
+              <a:shade val="50000"/>
+            </a:schemeClr>
+          </a:lnRef>
+          <a:fillRef idx="1">
+            <a:schemeClr val="accent1"/>
+          </a:fillRef>
+          <a:effectRef idx="0">
+            <a:schemeClr val="accent1"/>
+          </a:effectRef>
+          <a:fontRef idx="minor">
+            <a:schemeClr val="lt1"/>
+          </a:fontRef>
+        </p:style>
+        <p:txBody>
+          <a:bodyPr rtlCol="0" anchor="ctr"/>
+          <a:lstStyle/>
+          <a:p>
+            <a:pPr algn="ctr"/>
+            <a:endParaRPr lang="en-US"/>
+          </a:p>
+        </p:txBody>
+      </p:sp>
+      <p:sp>
+        <p:nvSpPr>
+          <p:cNvPr id="2" name="Title 1">
+            <a:extLst>
+              <a:ext uri="{FF2B5EF4-FFF2-40B4-BE49-F238E27FC236}">
+                <a16:creationId xmlns:a16="http://schemas.microsoft.com/office/drawing/2014/main" id="{E8C1C3AF-3FB1-7023-BDA3-43B95FAF2864}"/>
+              </a:ext>
+            </a:extLst>
+          </p:cNvPr>
+          <p:cNvSpPr>
+            <a:spLocks noGrp="1"/>
+          </p:cNvSpPr>
+          <p:nvPr>
+            <p:ph type="title"/>
+          </p:nvPr>
+        </p:nvSpPr>
+        <p:spPr>
+          <a:xfrm>
+            <a:off x="640080" y="2074363"/>
+            <a:ext cx="2752354" cy="2709275"/>
+          </a:xfrm>
+          <a:prstGeom prst="ellipse">
+            <a:avLst/>
+          </a:prstGeom>
+          <a:solidFill>
+            <a:srgbClr val="262626"/>
+          </a:solidFill>
+          <a:ln w="174625" cmpd="thinThick">
+            <a:solidFill>
+              <a:srgbClr val="262626"/>
+            </a:solidFill>
+          </a:ln>
+        </p:spPr>
+        <p:txBody>
+          <a:bodyPr vert="horz" lIns="91440" tIns="45720" rIns="91440" bIns="45720" rtlCol="0" anchor="ctr">
+            <a:normAutofit/>
+          </a:bodyPr>
+          <a:lstStyle/>
+          <a:p>
+            <a:pPr algn="ctr"/>
+            <a:r>
+              <a:rPr lang="en-US" sz="2600" kern="1200">
+                <a:solidFill>
+                  <a:srgbClr val="FFFFFF"/>
+                </a:solidFill>
+                <a:latin typeface="+mj-lt"/>
+                <a:ea typeface="+mj-ea"/>
+                <a:cs typeface="+mj-cs"/>
+              </a:rPr>
+              <a:t>Second part</a:t>
+            </a:r>
+          </a:p>
+        </p:txBody>
+      </p:sp>
+      <p:pic>
+        <p:nvPicPr>
+          <p:cNvPr id="5" name="Content Placeholder 4" descr="A computer screen shot of a program code&#10;&#10;Description automatically generated">
+            <a:extLst>
+              <a:ext uri="{FF2B5EF4-FFF2-40B4-BE49-F238E27FC236}">
+                <a16:creationId xmlns:a16="http://schemas.microsoft.com/office/drawing/2014/main" id="{EAA065B0-B226-74AD-4457-C74582EAB8E3}"/>
+              </a:ext>
+            </a:extLst>
+          </p:cNvPr>
+          <p:cNvPicPr>
+            <a:picLocks noGrp="1" noChangeAspect="1"/>
+          </p:cNvPicPr>
+          <p:nvPr>
+            <p:ph idx="1"/>
+          </p:nvPr>
+        </p:nvPicPr>
+        <p:blipFill>
+          <a:blip r:embed="rId2"/>
+          <a:stretch>
+            <a:fillRect/>
+          </a:stretch>
+        </p:blipFill>
+        <p:spPr>
+          <a:xfrm>
+            <a:off x="4038600" y="1324758"/>
+            <a:ext cx="7188199" cy="4205094"/>
+          </a:xfrm>
+          <a:prstGeom prst="rect">
+            <a:avLst/>
+          </a:prstGeom>
+        </p:spPr>
+      </p:pic>
+    </p:spTree>
+    <p:extLst>
+      <p:ext uri="{BB962C8B-B14F-4D97-AF65-F5344CB8AC3E}">
+        <p14:creationId xmlns:p14="http://schemas.microsoft.com/office/powerpoint/2010/main" val="134072065"/>
+      </p:ext>
+    </p:extLst>
+  </p:cSld>
+  <p:clrMapOvr>
+    <a:masterClrMapping/>
+  </p:clrMapOvr>
+</p:sld>
+</file>
+
+<file path=ppt/slides/slide13.xml><?xml version="1.0" encoding="utf-8"?>
+<p:sld xmlns:a="http://schemas.openxmlformats.org/drawingml/2006/main" xmlns:r="http://schemas.openxmlformats.org/officeDocument/2006/relationships" xmlns:p="http://schemas.openxmlformats.org/presentationml/2006/main">
+  <p:cSld>
+    <p:bg>
+      <p:bgPr>
+        <a:solidFill>
+          <a:schemeClr val="bg1"/>
+        </a:solidFill>
+        <a:effectLst/>
+      </p:bgPr>
+    </p:bg>
+    <p:spTree>
+      <p:nvGrpSpPr>
+        <p:cNvPr id="1" name=""/>
+        <p:cNvGrpSpPr/>
+        <p:nvPr/>
+      </p:nvGrpSpPr>
+      <p:grpSpPr>
+        <a:xfrm>
+          <a:off x="0" y="0"/>
+          <a:ext cx="0" cy="0"/>
+          <a:chOff x="0" y="0"/>
+          <a:chExt cx="0" cy="0"/>
+        </a:xfrm>
+      </p:grpSpPr>
+      <p:sp>
+        <p:nvSpPr>
+          <p:cNvPr id="10" name="Rectangle 9">
+            <a:extLst>
+              <a:ext uri="{FF2B5EF4-FFF2-40B4-BE49-F238E27FC236}">
+                <a16:creationId xmlns:a16="http://schemas.microsoft.com/office/drawing/2014/main" id="{6753252F-4873-4F63-801D-CC719279A7D5}"/>
+              </a:ext>
+              <a:ext uri="{C183D7F6-B498-43B3-948B-1728B52AA6E4}">
+                <adec:decorative xmlns:adec="http://schemas.microsoft.com/office/drawing/2017/decorative" val="1"/>
+              </a:ext>
+            </a:extLst>
+          </p:cNvPr>
+          <p:cNvSpPr>
+            <a:spLocks noGrp="1" noRot="1" noChangeAspect="1" noMove="1" noResize="1" noEditPoints="1" noAdjustHandles="1" noChangeArrowheads="1" noChangeShapeType="1" noTextEdit="1"/>
+          </p:cNvSpPr>
+          <p:nvPr>
+            <p:extLst>
+              <p:ext uri="{386F3935-93C4-4BCD-93E2-E3B085C9AB24}">
+                <p16:designElem xmlns:p16="http://schemas.microsoft.com/office/powerpoint/2015/main" val="1"/>
+              </p:ext>
+            </p:extLst>
+          </p:nvPr>
+        </p:nvSpPr>
+        <p:spPr>
+          <a:xfrm>
+            <a:off x="0" y="0"/>
+            <a:ext cx="12192000" cy="6858000"/>
+          </a:xfrm>
+          <a:prstGeom prst="rect">
+            <a:avLst/>
+          </a:prstGeom>
+          <a:solidFill>
+            <a:srgbClr val="FFFFFF"/>
+          </a:solidFill>
+          <a:ln>
+            <a:noFill/>
+          </a:ln>
+        </p:spPr>
+        <p:style>
+          <a:lnRef idx="2">
+            <a:schemeClr val="accent1">
+              <a:shade val="50000"/>
+            </a:schemeClr>
+          </a:lnRef>
+          <a:fillRef idx="1">
+            <a:schemeClr val="accent1"/>
+          </a:fillRef>
+          <a:effectRef idx="0">
+            <a:schemeClr val="accent1"/>
+          </a:effectRef>
+          <a:fontRef idx="minor">
+            <a:schemeClr val="lt1"/>
+          </a:fontRef>
+        </p:style>
+        <p:txBody>
+          <a:bodyPr rtlCol="0" anchor="ctr"/>
+          <a:lstStyle/>
+          <a:p>
+            <a:pPr algn="ctr"/>
+            <a:endParaRPr lang="en-US"/>
+          </a:p>
+        </p:txBody>
+      </p:sp>
+      <p:sp>
+        <p:nvSpPr>
+          <p:cNvPr id="12" name="Rectangle 11">
+            <a:extLst>
+              <a:ext uri="{FF2B5EF4-FFF2-40B4-BE49-F238E27FC236}">
+                <a16:creationId xmlns:a16="http://schemas.microsoft.com/office/drawing/2014/main" id="{047C8CCB-F95D-4249-92DD-651249D3535A}"/>
+              </a:ext>
+              <a:ext uri="{C183D7F6-B498-43B3-948B-1728B52AA6E4}">
+                <adec:decorative xmlns:adec="http://schemas.microsoft.com/office/drawing/2017/decorative" val="1"/>
+              </a:ext>
+            </a:extLst>
+          </p:cNvPr>
+          <p:cNvSpPr>
+            <a:spLocks noGrp="1" noRot="1" noChangeAspect="1" noMove="1" noResize="1" noEditPoints="1" noAdjustHandles="1" noChangeArrowheads="1" noChangeShapeType="1" noTextEdit="1"/>
+          </p:cNvSpPr>
+          <p:nvPr>
+            <p:extLst>
+              <p:ext uri="{386F3935-93C4-4BCD-93E2-E3B085C9AB24}">
+                <p16:designElem xmlns:p16="http://schemas.microsoft.com/office/powerpoint/2015/main" val="1"/>
+              </p:ext>
+            </p:extLst>
+          </p:nvPr>
+        </p:nvSpPr>
+        <p:spPr>
+          <a:xfrm>
+            <a:off x="0" y="0"/>
+            <a:ext cx="2013557" cy="6858000"/>
+          </a:xfrm>
+          <a:prstGeom prst="rect">
+            <a:avLst/>
+          </a:prstGeom>
+          <a:solidFill>
+            <a:srgbClr val="7F7F7F"/>
+          </a:solidFill>
+          <a:ln>
+            <a:noFill/>
+          </a:ln>
+        </p:spPr>
+        <p:style>
+          <a:lnRef idx="2">
+            <a:schemeClr val="accent1">
+              <a:shade val="50000"/>
+            </a:schemeClr>
+          </a:lnRef>
+          <a:fillRef idx="1">
+            <a:schemeClr val="accent1"/>
+          </a:fillRef>
+          <a:effectRef idx="0">
+            <a:schemeClr val="accent1"/>
+          </a:effectRef>
+          <a:fontRef idx="minor">
+            <a:schemeClr val="lt1"/>
+          </a:fontRef>
+        </p:style>
+        <p:txBody>
+          <a:bodyPr rtlCol="0" anchor="ctr"/>
+          <a:lstStyle/>
+          <a:p>
+            <a:pPr algn="ctr"/>
+            <a:endParaRPr lang="en-US"/>
+          </a:p>
+        </p:txBody>
+      </p:sp>
+      <p:sp>
+        <p:nvSpPr>
+          <p:cNvPr id="2" name="Title 1">
+            <a:extLst>
+              <a:ext uri="{FF2B5EF4-FFF2-40B4-BE49-F238E27FC236}">
+                <a16:creationId xmlns:a16="http://schemas.microsoft.com/office/drawing/2014/main" id="{E8C1C3AF-3FB1-7023-BDA3-43B95FAF2864}"/>
+              </a:ext>
+            </a:extLst>
+          </p:cNvPr>
+          <p:cNvSpPr>
+            <a:spLocks noGrp="1"/>
+          </p:cNvSpPr>
+          <p:nvPr>
+            <p:ph type="title"/>
+          </p:nvPr>
+        </p:nvSpPr>
+        <p:spPr>
+          <a:xfrm>
+            <a:off x="640080" y="2074363"/>
+            <a:ext cx="2752354" cy="2709275"/>
+          </a:xfrm>
+          <a:prstGeom prst="ellipse">
+            <a:avLst/>
+          </a:prstGeom>
+          <a:solidFill>
+            <a:srgbClr val="262626"/>
+          </a:solidFill>
+          <a:ln w="174625" cmpd="thinThick">
+            <a:solidFill>
+              <a:srgbClr val="262626"/>
+            </a:solidFill>
+          </a:ln>
+        </p:spPr>
+        <p:txBody>
+          <a:bodyPr vert="horz" lIns="91440" tIns="45720" rIns="91440" bIns="45720" rtlCol="0" anchor="ctr">
+            <a:normAutofit/>
+          </a:bodyPr>
+          <a:lstStyle/>
+          <a:p>
+            <a:pPr algn="ctr"/>
+            <a:r>
+              <a:rPr lang="en-US" sz="2600" kern="1200">
+                <a:solidFill>
+                  <a:srgbClr val="FFFFFF"/>
+                </a:solidFill>
+                <a:latin typeface="+mj-lt"/>
+                <a:ea typeface="+mj-ea"/>
+                <a:cs typeface="+mj-cs"/>
+              </a:rPr>
+              <a:t>What about errors?</a:t>
+            </a:r>
+          </a:p>
+        </p:txBody>
+      </p:sp>
+      <p:pic>
+        <p:nvPicPr>
+          <p:cNvPr id="5" name="Content Placeholder 4" descr="A computer screen with text and symbols&#10;&#10;Description automatically generated">
+            <a:extLst>
+              <a:ext uri="{FF2B5EF4-FFF2-40B4-BE49-F238E27FC236}">
+                <a16:creationId xmlns:a16="http://schemas.microsoft.com/office/drawing/2014/main" id="{A6E09CA6-3588-8D5D-8654-71EFC63B271F}"/>
+              </a:ext>
+            </a:extLst>
+          </p:cNvPr>
+          <p:cNvPicPr>
+            <a:picLocks noGrp="1" noChangeAspect="1"/>
+          </p:cNvPicPr>
+          <p:nvPr>
+            <p:ph idx="1"/>
+          </p:nvPr>
+        </p:nvPicPr>
+        <p:blipFill>
+          <a:blip r:embed="rId2"/>
+          <a:stretch>
+            <a:fillRect/>
+          </a:stretch>
+        </p:blipFill>
+        <p:spPr>
+          <a:xfrm>
+            <a:off x="4038600" y="1387655"/>
+            <a:ext cx="7188199" cy="4079301"/>
+          </a:xfrm>
+          <a:prstGeom prst="rect">
+            <a:avLst/>
+          </a:prstGeom>
+        </p:spPr>
+      </p:pic>
+    </p:spTree>
+    <p:extLst>
+      <p:ext uri="{BB962C8B-B14F-4D97-AF65-F5344CB8AC3E}">
+        <p14:creationId xmlns:p14="http://schemas.microsoft.com/office/powerpoint/2010/main" val="2117943569"/>
+      </p:ext>
+    </p:extLst>
+  </p:cSld>
+  <p:clrMapOvr>
+    <a:masterClrMapping/>
+  </p:clrMapOvr>
+</p:sld>
+</file>
+
+<file path=ppt/slides/slide14.xml><?xml version="1.0" encoding="utf-8"?>
+<p:sld xmlns:a="http://schemas.openxmlformats.org/drawingml/2006/main" xmlns:r="http://schemas.openxmlformats.org/officeDocument/2006/relationships" xmlns:p="http://schemas.openxmlformats.org/presentationml/2006/main">
+  <p:cSld>
+    <p:bg>
+      <p:bgPr>
+        <a:solidFill>
+          <a:schemeClr val="bg1"/>
+        </a:solidFill>
+        <a:effectLst/>
+      </p:bgPr>
+    </p:bg>
+    <p:spTree>
+      <p:nvGrpSpPr>
+        <p:cNvPr id="1" name=""/>
+        <p:cNvGrpSpPr/>
+        <p:nvPr/>
+      </p:nvGrpSpPr>
+      <p:grpSpPr>
+        <a:xfrm>
+          <a:off x="0" y="0"/>
+          <a:ext cx="0" cy="0"/>
+          <a:chOff x="0" y="0"/>
+          <a:chExt cx="0" cy="0"/>
+        </a:xfrm>
+      </p:grpSpPr>
+      <p:sp>
+        <p:nvSpPr>
+          <p:cNvPr id="10" name="Rectangle 9">
+            <a:extLst>
+              <a:ext uri="{FF2B5EF4-FFF2-40B4-BE49-F238E27FC236}">
+                <a16:creationId xmlns:a16="http://schemas.microsoft.com/office/drawing/2014/main" id="{6753252F-4873-4F63-801D-CC719279A7D5}"/>
+              </a:ext>
+              <a:ext uri="{C183D7F6-B498-43B3-948B-1728B52AA6E4}">
+                <adec:decorative xmlns:adec="http://schemas.microsoft.com/office/drawing/2017/decorative" val="1"/>
+              </a:ext>
+            </a:extLst>
+          </p:cNvPr>
+          <p:cNvSpPr>
+            <a:spLocks noGrp="1" noRot="1" noChangeAspect="1" noMove="1" noResize="1" noEditPoints="1" noAdjustHandles="1" noChangeArrowheads="1" noChangeShapeType="1" noTextEdit="1"/>
+          </p:cNvSpPr>
+          <p:nvPr>
+            <p:extLst>
+              <p:ext uri="{386F3935-93C4-4BCD-93E2-E3B085C9AB24}">
+                <p16:designElem xmlns:p16="http://schemas.microsoft.com/office/powerpoint/2015/main" val="1"/>
+              </p:ext>
+            </p:extLst>
+          </p:nvPr>
+        </p:nvSpPr>
+        <p:spPr>
+          <a:xfrm>
+            <a:off x="0" y="0"/>
+            <a:ext cx="12192000" cy="6858000"/>
+          </a:xfrm>
+          <a:prstGeom prst="rect">
+            <a:avLst/>
+          </a:prstGeom>
+          <a:solidFill>
+            <a:srgbClr val="FFFFFF"/>
+          </a:solidFill>
+          <a:ln>
+            <a:noFill/>
+          </a:ln>
+        </p:spPr>
+        <p:style>
+          <a:lnRef idx="2">
+            <a:schemeClr val="accent1">
+              <a:shade val="50000"/>
+            </a:schemeClr>
+          </a:lnRef>
+          <a:fillRef idx="1">
+            <a:schemeClr val="accent1"/>
+          </a:fillRef>
+          <a:effectRef idx="0">
+            <a:schemeClr val="accent1"/>
+          </a:effectRef>
+          <a:fontRef idx="minor">
+            <a:schemeClr val="lt1"/>
+          </a:fontRef>
+        </p:style>
+        <p:txBody>
+          <a:bodyPr rtlCol="0" anchor="ctr"/>
+          <a:lstStyle/>
+          <a:p>
+            <a:pPr algn="ctr"/>
+            <a:endParaRPr lang="en-US"/>
+          </a:p>
+        </p:txBody>
+      </p:sp>
+      <p:sp>
+        <p:nvSpPr>
+          <p:cNvPr id="12" name="Rectangle 11">
+            <a:extLst>
+              <a:ext uri="{FF2B5EF4-FFF2-40B4-BE49-F238E27FC236}">
+                <a16:creationId xmlns:a16="http://schemas.microsoft.com/office/drawing/2014/main" id="{047C8CCB-F95D-4249-92DD-651249D3535A}"/>
+              </a:ext>
+              <a:ext uri="{C183D7F6-B498-43B3-948B-1728B52AA6E4}">
+                <adec:decorative xmlns:adec="http://schemas.microsoft.com/office/drawing/2017/decorative" val="1"/>
+              </a:ext>
+            </a:extLst>
+          </p:cNvPr>
+          <p:cNvSpPr>
+            <a:spLocks noGrp="1" noRot="1" noChangeAspect="1" noMove="1" noResize="1" noEditPoints="1" noAdjustHandles="1" noChangeArrowheads="1" noChangeShapeType="1" noTextEdit="1"/>
+          </p:cNvSpPr>
+          <p:nvPr>
+            <p:extLst>
+              <p:ext uri="{386F3935-93C4-4BCD-93E2-E3B085C9AB24}">
+                <p16:designElem xmlns:p16="http://schemas.microsoft.com/office/powerpoint/2015/main" val="1"/>
+              </p:ext>
+            </p:extLst>
+          </p:nvPr>
+        </p:nvSpPr>
+        <p:spPr>
+          <a:xfrm>
+            <a:off x="0" y="0"/>
+            <a:ext cx="2013557" cy="6858000"/>
+          </a:xfrm>
+          <a:prstGeom prst="rect">
+            <a:avLst/>
+          </a:prstGeom>
+          <a:solidFill>
+            <a:srgbClr val="7F7F7F"/>
+          </a:solidFill>
+          <a:ln>
+            <a:noFill/>
+          </a:ln>
+        </p:spPr>
+        <p:style>
+          <a:lnRef idx="2">
+            <a:schemeClr val="accent1">
+              <a:shade val="50000"/>
+            </a:schemeClr>
+          </a:lnRef>
+          <a:fillRef idx="1">
+            <a:schemeClr val="accent1"/>
+          </a:fillRef>
+          <a:effectRef idx="0">
+            <a:schemeClr val="accent1"/>
+          </a:effectRef>
+          <a:fontRef idx="minor">
+            <a:schemeClr val="lt1"/>
+          </a:fontRef>
+        </p:style>
+        <p:txBody>
+          <a:bodyPr rtlCol="0" anchor="ctr"/>
+          <a:lstStyle/>
+          <a:p>
+            <a:pPr algn="ctr"/>
+            <a:endParaRPr lang="en-US"/>
+          </a:p>
+        </p:txBody>
+      </p:sp>
+      <p:sp>
+        <p:nvSpPr>
+          <p:cNvPr id="2" name="Title 1">
+            <a:extLst>
+              <a:ext uri="{FF2B5EF4-FFF2-40B4-BE49-F238E27FC236}">
+                <a16:creationId xmlns:a16="http://schemas.microsoft.com/office/drawing/2014/main" id="{E8C1C3AF-3FB1-7023-BDA3-43B95FAF2864}"/>
+              </a:ext>
+            </a:extLst>
+          </p:cNvPr>
+          <p:cNvSpPr>
+            <a:spLocks noGrp="1"/>
+          </p:cNvSpPr>
+          <p:nvPr>
+            <p:ph type="title"/>
+          </p:nvPr>
+        </p:nvSpPr>
+        <p:spPr>
+          <a:xfrm>
+            <a:off x="640080" y="2074363"/>
+            <a:ext cx="2752354" cy="2709275"/>
+          </a:xfrm>
+          <a:prstGeom prst="ellipse">
+            <a:avLst/>
+          </a:prstGeom>
+          <a:solidFill>
+            <a:srgbClr val="262626"/>
+          </a:solidFill>
+          <a:ln w="174625" cmpd="thinThick">
+            <a:solidFill>
+              <a:srgbClr val="262626"/>
+            </a:solidFill>
+          </a:ln>
+        </p:spPr>
+        <p:txBody>
+          <a:bodyPr vert="horz" lIns="91440" tIns="45720" rIns="91440" bIns="45720" rtlCol="0" anchor="ctr">
+            <a:normAutofit/>
+          </a:bodyPr>
+          <a:lstStyle/>
+          <a:p>
+            <a:pPr algn="ctr"/>
+            <a:r>
+              <a:rPr lang="en-US" sz="2600" kern="1200">
+                <a:solidFill>
+                  <a:srgbClr val="FFFFFF"/>
+                </a:solidFill>
+                <a:latin typeface="+mj-lt"/>
+                <a:ea typeface="+mj-ea"/>
+                <a:cs typeface="+mj-cs"/>
+              </a:rPr>
+              <a:t>Handle error</a:t>
+            </a:r>
+          </a:p>
+        </p:txBody>
+      </p:sp>
+      <p:pic>
+        <p:nvPicPr>
+          <p:cNvPr id="5" name="Content Placeholder 4" descr="A computer screen shot of a program code&#10;&#10;Description automatically generated">
+            <a:extLst>
+              <a:ext uri="{FF2B5EF4-FFF2-40B4-BE49-F238E27FC236}">
+                <a16:creationId xmlns:a16="http://schemas.microsoft.com/office/drawing/2014/main" id="{085D314D-4A72-A2F5-6E57-E546C867E467}"/>
+              </a:ext>
+            </a:extLst>
+          </p:cNvPr>
+          <p:cNvPicPr>
+            <a:picLocks noGrp="1" noChangeAspect="1"/>
+          </p:cNvPicPr>
+          <p:nvPr>
+            <p:ph idx="1"/>
+          </p:nvPr>
+        </p:nvPicPr>
+        <p:blipFill>
+          <a:blip r:embed="rId2"/>
+          <a:stretch>
+            <a:fillRect/>
+          </a:stretch>
+        </p:blipFill>
+        <p:spPr>
+          <a:xfrm>
+            <a:off x="4038600" y="1306787"/>
+            <a:ext cx="7188199" cy="4241036"/>
+          </a:xfrm>
+          <a:prstGeom prst="rect">
+            <a:avLst/>
+          </a:prstGeom>
+        </p:spPr>
+      </p:pic>
+    </p:spTree>
+    <p:extLst>
+      <p:ext uri="{BB962C8B-B14F-4D97-AF65-F5344CB8AC3E}">
+        <p14:creationId xmlns:p14="http://schemas.microsoft.com/office/powerpoint/2010/main" val="2230886020"/>
+      </p:ext>
+    </p:extLst>
+  </p:cSld>
+  <p:clrMapOvr>
+    <a:masterClrMapping/>
+  </p:clrMapOvr>
+</p:sld>
+</file>
+
+<file path=ppt/slides/slide15.xml><?xml version="1.0" encoding="utf-8"?>
+<p:sld xmlns:a="http://schemas.openxmlformats.org/drawingml/2006/main" xmlns:r="http://schemas.openxmlformats.org/officeDocument/2006/relationships" xmlns:p="http://schemas.openxmlformats.org/presentationml/2006/main">
+  <p:cSld>
+    <p:bg>
+      <p:bgPr>
+        <a:solidFill>
+          <a:schemeClr val="bg1"/>
+        </a:solidFill>
+        <a:effectLst/>
+      </p:bgPr>
+    </p:bg>
+    <p:spTree>
+      <p:nvGrpSpPr>
+        <p:cNvPr id="1" name=""/>
+        <p:cNvGrpSpPr/>
+        <p:nvPr/>
+      </p:nvGrpSpPr>
+      <p:grpSpPr>
+        <a:xfrm>
+          <a:off x="0" y="0"/>
+          <a:ext cx="0" cy="0"/>
+          <a:chOff x="0" y="0"/>
+          <a:chExt cx="0" cy="0"/>
+        </a:xfrm>
+      </p:grpSpPr>
+      <p:sp>
+        <p:nvSpPr>
+          <p:cNvPr id="10" name="Rectangle 9">
+            <a:extLst>
+              <a:ext uri="{FF2B5EF4-FFF2-40B4-BE49-F238E27FC236}">
+                <a16:creationId xmlns:a16="http://schemas.microsoft.com/office/drawing/2014/main" id="{6753252F-4873-4F63-801D-CC719279A7D5}"/>
+              </a:ext>
+              <a:ext uri="{C183D7F6-B498-43B3-948B-1728B52AA6E4}">
+                <adec:decorative xmlns:adec="http://schemas.microsoft.com/office/drawing/2017/decorative" val="1"/>
+              </a:ext>
+            </a:extLst>
+          </p:cNvPr>
+          <p:cNvSpPr>
+            <a:spLocks noGrp="1" noRot="1" noChangeAspect="1" noMove="1" noResize="1" noEditPoints="1" noAdjustHandles="1" noChangeArrowheads="1" noChangeShapeType="1" noTextEdit="1"/>
+          </p:cNvSpPr>
+          <p:nvPr>
+            <p:extLst>
+              <p:ext uri="{386F3935-93C4-4BCD-93E2-E3B085C9AB24}">
+                <p16:designElem xmlns:p16="http://schemas.microsoft.com/office/powerpoint/2015/main" val="1"/>
+              </p:ext>
+            </p:extLst>
+          </p:nvPr>
+        </p:nvSpPr>
+        <p:spPr>
+          <a:xfrm>
+            <a:off x="0" y="0"/>
+            <a:ext cx="12192000" cy="6858000"/>
+          </a:xfrm>
+          <a:prstGeom prst="rect">
+            <a:avLst/>
+          </a:prstGeom>
+          <a:solidFill>
+            <a:srgbClr val="FFFFFF"/>
+          </a:solidFill>
+          <a:ln>
+            <a:noFill/>
+          </a:ln>
+        </p:spPr>
+        <p:style>
+          <a:lnRef idx="2">
+            <a:schemeClr val="accent1">
+              <a:shade val="50000"/>
+            </a:schemeClr>
+          </a:lnRef>
+          <a:fillRef idx="1">
+            <a:schemeClr val="accent1"/>
+          </a:fillRef>
+          <a:effectRef idx="0">
+            <a:schemeClr val="accent1"/>
+          </a:effectRef>
+          <a:fontRef idx="minor">
+            <a:schemeClr val="lt1"/>
+          </a:fontRef>
+        </p:style>
+        <p:txBody>
+          <a:bodyPr rtlCol="0" anchor="ctr"/>
+          <a:lstStyle/>
+          <a:p>
+            <a:pPr algn="ctr"/>
+            <a:endParaRPr lang="en-US"/>
+          </a:p>
+        </p:txBody>
+      </p:sp>
+      <p:sp>
+        <p:nvSpPr>
+          <p:cNvPr id="12" name="Rectangle 11">
+            <a:extLst>
+              <a:ext uri="{FF2B5EF4-FFF2-40B4-BE49-F238E27FC236}">
+                <a16:creationId xmlns:a16="http://schemas.microsoft.com/office/drawing/2014/main" id="{047C8CCB-F95D-4249-92DD-651249D3535A}"/>
+              </a:ext>
+              <a:ext uri="{C183D7F6-B498-43B3-948B-1728B52AA6E4}">
+                <adec:decorative xmlns:adec="http://schemas.microsoft.com/office/drawing/2017/decorative" val="1"/>
+              </a:ext>
+            </a:extLst>
+          </p:cNvPr>
+          <p:cNvSpPr>
+            <a:spLocks noGrp="1" noRot="1" noChangeAspect="1" noMove="1" noResize="1" noEditPoints="1" noAdjustHandles="1" noChangeArrowheads="1" noChangeShapeType="1" noTextEdit="1"/>
+          </p:cNvSpPr>
+          <p:nvPr>
+            <p:extLst>
+              <p:ext uri="{386F3935-93C4-4BCD-93E2-E3B085C9AB24}">
+                <p16:designElem xmlns:p16="http://schemas.microsoft.com/office/powerpoint/2015/main" val="1"/>
+              </p:ext>
+            </p:extLst>
+          </p:nvPr>
+        </p:nvSpPr>
+        <p:spPr>
+          <a:xfrm>
+            <a:off x="0" y="0"/>
+            <a:ext cx="2013557" cy="6858000"/>
+          </a:xfrm>
+          <a:prstGeom prst="rect">
+            <a:avLst/>
+          </a:prstGeom>
+          <a:solidFill>
+            <a:srgbClr val="7F7F7F"/>
+          </a:solidFill>
+          <a:ln>
+            <a:noFill/>
+          </a:ln>
+        </p:spPr>
+        <p:style>
+          <a:lnRef idx="2">
+            <a:schemeClr val="accent1">
+              <a:shade val="50000"/>
+            </a:schemeClr>
+          </a:lnRef>
+          <a:fillRef idx="1">
+            <a:schemeClr val="accent1"/>
+          </a:fillRef>
+          <a:effectRef idx="0">
+            <a:schemeClr val="accent1"/>
+          </a:effectRef>
+          <a:fontRef idx="minor">
+            <a:schemeClr val="lt1"/>
+          </a:fontRef>
+        </p:style>
+        <p:txBody>
+          <a:bodyPr rtlCol="0" anchor="ctr"/>
+          <a:lstStyle/>
+          <a:p>
+            <a:pPr algn="ctr"/>
+            <a:endParaRPr lang="en-US"/>
+          </a:p>
+        </p:txBody>
+      </p:sp>
+      <p:sp>
+        <p:nvSpPr>
+          <p:cNvPr id="2" name="Title 1">
+            <a:extLst>
+              <a:ext uri="{FF2B5EF4-FFF2-40B4-BE49-F238E27FC236}">
+                <a16:creationId xmlns:a16="http://schemas.microsoft.com/office/drawing/2014/main" id="{E8C1C3AF-3FB1-7023-BDA3-43B95FAF2864}"/>
+              </a:ext>
+            </a:extLst>
+          </p:cNvPr>
+          <p:cNvSpPr>
+            <a:spLocks noGrp="1"/>
+          </p:cNvSpPr>
+          <p:nvPr>
+            <p:ph type="title"/>
+          </p:nvPr>
+        </p:nvSpPr>
+        <p:spPr>
+          <a:xfrm>
+            <a:off x="640080" y="2074363"/>
+            <a:ext cx="2752354" cy="2709275"/>
+          </a:xfrm>
+          <a:prstGeom prst="ellipse">
+            <a:avLst/>
+          </a:prstGeom>
+          <a:solidFill>
+            <a:srgbClr val="262626"/>
+          </a:solidFill>
+          <a:ln w="174625" cmpd="thinThick">
+            <a:solidFill>
+              <a:srgbClr val="262626"/>
+            </a:solidFill>
+          </a:ln>
+        </p:spPr>
+        <p:txBody>
+          <a:bodyPr vert="horz" lIns="91440" tIns="45720" rIns="91440" bIns="45720" rtlCol="0" anchor="ctr">
+            <a:normAutofit/>
+          </a:bodyPr>
+          <a:lstStyle/>
+          <a:p>
+            <a:pPr algn="ctr"/>
+            <a:r>
+              <a:rPr lang="en-US" sz="2600" kern="1200">
+                <a:solidFill>
+                  <a:srgbClr val="FFFFFF"/>
+                </a:solidFill>
+                <a:latin typeface="+mj-lt"/>
+                <a:ea typeface="+mj-ea"/>
+                <a:cs typeface="+mj-cs"/>
+              </a:rPr>
+              <a:t>Second way</a:t>
+            </a:r>
+          </a:p>
+        </p:txBody>
+      </p:sp>
+      <p:pic>
+        <p:nvPicPr>
+          <p:cNvPr id="5" name="Content Placeholder 4" descr="A computer screen shot of a program code&#10;&#10;Description automatically generated">
+            <a:extLst>
+              <a:ext uri="{FF2B5EF4-FFF2-40B4-BE49-F238E27FC236}">
+                <a16:creationId xmlns:a16="http://schemas.microsoft.com/office/drawing/2014/main" id="{45AC4A14-B356-D03D-8168-92E9531E570C}"/>
+              </a:ext>
+            </a:extLst>
+          </p:cNvPr>
+          <p:cNvPicPr>
+            <a:picLocks noGrp="1" noChangeAspect="1"/>
+          </p:cNvPicPr>
+          <p:nvPr>
+            <p:ph idx="1"/>
+          </p:nvPr>
+        </p:nvPicPr>
+        <p:blipFill>
+          <a:blip r:embed="rId2"/>
+          <a:stretch>
+            <a:fillRect/>
+          </a:stretch>
+        </p:blipFill>
+        <p:spPr>
+          <a:xfrm>
+            <a:off x="4038600" y="1306787"/>
+            <a:ext cx="7188199" cy="4241036"/>
+          </a:xfrm>
+          <a:prstGeom prst="rect">
+            <a:avLst/>
+          </a:prstGeom>
+        </p:spPr>
+      </p:pic>
+    </p:spTree>
+    <p:extLst>
+      <p:ext uri="{BB962C8B-B14F-4D97-AF65-F5344CB8AC3E}">
+        <p14:creationId xmlns:p14="http://schemas.microsoft.com/office/powerpoint/2010/main" val="451375857"/>
+      </p:ext>
+    </p:extLst>
+  </p:cSld>
+  <p:clrMapOvr>
+    <a:masterClrMapping/>
+  </p:clrMapOvr>
+</p:sld>
+</file>
+
+<file path=ppt/slides/slide16.xml><?xml version="1.0" encoding="utf-8"?>
+<p:sld xmlns:a="http://schemas.openxmlformats.org/drawingml/2006/main" xmlns:r="http://schemas.openxmlformats.org/officeDocument/2006/relationships" xmlns:p="http://schemas.openxmlformats.org/presentationml/2006/main">
+  <p:cSld>
+    <p:spTree>
+      <p:nvGrpSpPr>
+        <p:cNvPr id="1" name=""/>
+        <p:cNvGrpSpPr/>
+        <p:nvPr/>
+      </p:nvGrpSpPr>
+      <p:grpSpPr>
+        <a:xfrm>
+          <a:off x="0" y="0"/>
+          <a:ext cx="0" cy="0"/>
+          <a:chOff x="0" y="0"/>
+          <a:chExt cx="0" cy="0"/>
+        </a:xfrm>
+      </p:grpSpPr>
+      <p:sp>
+        <p:nvSpPr>
+          <p:cNvPr id="2" name="Title 1">
+            <a:extLst>
+              <a:ext uri="{FF2B5EF4-FFF2-40B4-BE49-F238E27FC236}">
+                <a16:creationId xmlns:a16="http://schemas.microsoft.com/office/drawing/2014/main" id="{E8C1C3AF-3FB1-7023-BDA3-43B95FAF2864}"/>
+              </a:ext>
+            </a:extLst>
+          </p:cNvPr>
+          <p:cNvSpPr>
+            <a:spLocks noGrp="1"/>
+          </p:cNvSpPr>
+          <p:nvPr>
+            <p:ph type="title"/>
+          </p:nvPr>
+        </p:nvSpPr>
+        <p:spPr/>
+        <p:txBody>
+          <a:bodyPr/>
+          <a:lstStyle/>
+          <a:p>
+            <a:r>
+              <a:rPr lang="en-US" dirty="0"/>
+              <a:t>M</a:t>
+            </a:r>
+            <a:r>
+              <a:rPr lang="en-IL" dirty="0"/>
+              <a:t>ore hooks</a:t>
+            </a:r>
+          </a:p>
+        </p:txBody>
+      </p:sp>
+      <p:sp>
+        <p:nvSpPr>
+          <p:cNvPr id="3" name="Content Placeholder 2">
+            <a:extLst>
+              <a:ext uri="{FF2B5EF4-FFF2-40B4-BE49-F238E27FC236}">
+                <a16:creationId xmlns:a16="http://schemas.microsoft.com/office/drawing/2014/main" id="{75F53FE3-C510-23B2-63D4-7FEE9910905A}"/>
+              </a:ext>
+            </a:extLst>
+          </p:cNvPr>
+          <p:cNvSpPr>
+            <a:spLocks noGrp="1"/>
+          </p:cNvSpPr>
+          <p:nvPr>
+            <p:ph idx="1"/>
+          </p:nvPr>
+        </p:nvSpPr>
+        <p:spPr/>
+        <p:txBody>
+          <a:bodyPr>
+            <a:normAutofit fontScale="92500"/>
+          </a:bodyPr>
+          <a:lstStyle/>
+          <a:p>
+            <a:pPr algn="l">
+              <a:buFont typeface="Arial" panose="020B0604020202020204" pitchFamily="34" charset="0"/>
+              <a:buChar char="•"/>
+            </a:pPr>
+            <a:r>
+              <a:rPr lang="en-US" b="1" i="0" dirty="0" err="1">
+                <a:solidFill>
+                  <a:srgbClr val="374151"/>
+                </a:solidFill>
+                <a:effectLst/>
+                <a:latin typeface="Söhne"/>
+              </a:rPr>
+              <a:t>useQuery</a:t>
+            </a:r>
+            <a:r>
+              <a:rPr lang="en-US" b="0" i="0" dirty="0">
+                <a:solidFill>
+                  <a:srgbClr val="374151"/>
+                </a:solidFill>
+                <a:effectLst/>
+                <a:latin typeface="Söhne"/>
+              </a:rPr>
+              <a:t>: Fetches data and handles auto-</a:t>
+            </a:r>
+            <a:r>
+              <a:rPr lang="en-US" b="0" i="0" dirty="0" err="1">
+                <a:solidFill>
+                  <a:srgbClr val="374151"/>
+                </a:solidFill>
+                <a:effectLst/>
+                <a:latin typeface="Söhne"/>
+              </a:rPr>
+              <a:t>refetching</a:t>
+            </a:r>
+            <a:r>
+              <a:rPr lang="en-US" b="0" i="0" dirty="0">
+                <a:solidFill>
+                  <a:srgbClr val="374151"/>
+                </a:solidFill>
+                <a:effectLst/>
+                <a:latin typeface="Söhne"/>
+              </a:rPr>
+              <a:t>.</a:t>
+            </a:r>
+          </a:p>
+          <a:p>
+            <a:pPr algn="l">
+              <a:buFont typeface="Arial" panose="020B0604020202020204" pitchFamily="34" charset="0"/>
+              <a:buChar char="•"/>
+            </a:pPr>
+            <a:r>
+              <a:rPr lang="en-US" b="1" i="0" dirty="0" err="1">
+                <a:solidFill>
+                  <a:srgbClr val="374151"/>
+                </a:solidFill>
+                <a:effectLst/>
+                <a:latin typeface="Söhne"/>
+              </a:rPr>
+              <a:t>useQueries</a:t>
+            </a:r>
+            <a:r>
+              <a:rPr lang="en-US" b="0" i="0" dirty="0">
+                <a:solidFill>
+                  <a:srgbClr val="374151"/>
+                </a:solidFill>
+                <a:effectLst/>
+                <a:latin typeface="Söhne"/>
+              </a:rPr>
+              <a:t>: Fetches multiple queries concurrently.</a:t>
+            </a:r>
+          </a:p>
+          <a:p>
+            <a:pPr algn="l">
+              <a:buFont typeface="Arial" panose="020B0604020202020204" pitchFamily="34" charset="0"/>
+              <a:buChar char="•"/>
+            </a:pPr>
+            <a:r>
+              <a:rPr lang="en-US" b="1" i="0" dirty="0" err="1">
+                <a:solidFill>
+                  <a:srgbClr val="374151"/>
+                </a:solidFill>
+                <a:effectLst/>
+                <a:latin typeface="Söhne"/>
+              </a:rPr>
+              <a:t>useInfiniteQuery</a:t>
+            </a:r>
+            <a:r>
+              <a:rPr lang="en-US" b="0" i="0" dirty="0">
+                <a:solidFill>
+                  <a:srgbClr val="374151"/>
+                </a:solidFill>
+                <a:effectLst/>
+                <a:latin typeface="Söhne"/>
+              </a:rPr>
+              <a:t>: Handles paginated and "infinite" data fetching scenarios.</a:t>
+            </a:r>
+          </a:p>
+          <a:p>
+            <a:pPr algn="l">
+              <a:buFont typeface="Arial" panose="020B0604020202020204" pitchFamily="34" charset="0"/>
+              <a:buChar char="•"/>
+            </a:pPr>
+            <a:r>
+              <a:rPr lang="en-US" b="1" i="0" dirty="0" err="1">
+                <a:solidFill>
+                  <a:srgbClr val="374151"/>
+                </a:solidFill>
+                <a:effectLst/>
+                <a:latin typeface="Söhne"/>
+              </a:rPr>
+              <a:t>useMutation</a:t>
+            </a:r>
+            <a:r>
+              <a:rPr lang="en-US" b="0" i="0" dirty="0">
+                <a:solidFill>
+                  <a:srgbClr val="374151"/>
+                </a:solidFill>
+                <a:effectLst/>
+                <a:latin typeface="Söhne"/>
+              </a:rPr>
+              <a:t>: Manages data mutations (like POST, PUT, DELETE).</a:t>
+            </a:r>
+          </a:p>
+          <a:p>
+            <a:pPr algn="l">
+              <a:buFont typeface="Arial" panose="020B0604020202020204" pitchFamily="34" charset="0"/>
+              <a:buChar char="•"/>
+            </a:pPr>
+            <a:r>
+              <a:rPr lang="en-US" b="1" i="0" dirty="0" err="1">
+                <a:solidFill>
+                  <a:srgbClr val="374151"/>
+                </a:solidFill>
+                <a:effectLst/>
+                <a:latin typeface="Söhne"/>
+              </a:rPr>
+              <a:t>useQueryClient</a:t>
+            </a:r>
+            <a:r>
+              <a:rPr lang="en-US" b="0" i="0" dirty="0">
+                <a:solidFill>
+                  <a:srgbClr val="374151"/>
+                </a:solidFill>
+                <a:effectLst/>
+                <a:latin typeface="Söhne"/>
+              </a:rPr>
+              <a:t>: Gives access to the </a:t>
+            </a:r>
+            <a:r>
+              <a:rPr lang="en-US" b="0" i="0" dirty="0" err="1">
+                <a:solidFill>
+                  <a:srgbClr val="374151"/>
+                </a:solidFill>
+                <a:effectLst/>
+                <a:latin typeface="Söhne"/>
+              </a:rPr>
+              <a:t>QueryClient</a:t>
+            </a:r>
+            <a:r>
+              <a:rPr lang="en-US" b="0" i="0" dirty="0">
+                <a:solidFill>
+                  <a:srgbClr val="374151"/>
+                </a:solidFill>
+                <a:effectLst/>
+                <a:latin typeface="Söhne"/>
+              </a:rPr>
+              <a:t> for advanced operations.</a:t>
+            </a:r>
+          </a:p>
+          <a:p>
+            <a:pPr algn="l">
+              <a:buFont typeface="Arial" panose="020B0604020202020204" pitchFamily="34" charset="0"/>
+              <a:buChar char="•"/>
+            </a:pPr>
+            <a:r>
+              <a:rPr lang="en-US" b="1" i="0" dirty="0" err="1">
+                <a:solidFill>
+                  <a:srgbClr val="374151"/>
+                </a:solidFill>
+                <a:effectLst/>
+                <a:latin typeface="Söhne"/>
+              </a:rPr>
+              <a:t>useIsFetching</a:t>
+            </a:r>
+            <a:r>
+              <a:rPr lang="en-US" b="0" i="0" dirty="0">
+                <a:solidFill>
+                  <a:srgbClr val="374151"/>
+                </a:solidFill>
+                <a:effectLst/>
+                <a:latin typeface="Söhne"/>
+              </a:rPr>
+              <a:t>: Indicates how many queries are currently fetching.</a:t>
+            </a:r>
+          </a:p>
+          <a:p>
+            <a:pPr algn="l">
+              <a:buFont typeface="Arial" panose="020B0604020202020204" pitchFamily="34" charset="0"/>
+              <a:buChar char="•"/>
+            </a:pPr>
+            <a:r>
+              <a:rPr lang="en-US" b="1" i="0" dirty="0" err="1">
+                <a:solidFill>
+                  <a:srgbClr val="374151"/>
+                </a:solidFill>
+                <a:effectLst/>
+                <a:latin typeface="Söhne"/>
+              </a:rPr>
+              <a:t>useIsMutating</a:t>
+            </a:r>
+            <a:r>
+              <a:rPr lang="en-US" b="0" i="0" dirty="0">
+                <a:solidFill>
+                  <a:srgbClr val="374151"/>
+                </a:solidFill>
+                <a:effectLst/>
+                <a:latin typeface="Söhne"/>
+              </a:rPr>
+              <a:t>: Shows the number of ongoing mutations.</a:t>
+            </a:r>
+          </a:p>
+          <a:p>
+            <a:pPr algn="l">
+              <a:buFont typeface="Arial" panose="020B0604020202020204" pitchFamily="34" charset="0"/>
+              <a:buChar char="•"/>
+            </a:pPr>
+            <a:r>
+              <a:rPr lang="en-US" b="1" i="0" dirty="0" err="1">
+                <a:solidFill>
+                  <a:srgbClr val="374151"/>
+                </a:solidFill>
+                <a:effectLst/>
+                <a:latin typeface="Söhne"/>
+              </a:rPr>
+              <a:t>useHydrate</a:t>
+            </a:r>
+            <a:r>
+              <a:rPr lang="en-US" b="0" i="0" dirty="0">
+                <a:solidFill>
+                  <a:srgbClr val="374151"/>
+                </a:solidFill>
+                <a:effectLst/>
+                <a:latin typeface="Söhne"/>
+              </a:rPr>
+              <a:t> and </a:t>
+            </a:r>
+            <a:r>
+              <a:rPr lang="en-US" b="1" i="0" dirty="0" err="1">
+                <a:solidFill>
+                  <a:srgbClr val="374151"/>
+                </a:solidFill>
+                <a:effectLst/>
+                <a:latin typeface="Söhne"/>
+              </a:rPr>
+              <a:t>useHydrateQueries</a:t>
+            </a:r>
+            <a:r>
+              <a:rPr lang="en-US" b="0" i="0" dirty="0">
+                <a:solidFill>
+                  <a:srgbClr val="374151"/>
+                </a:solidFill>
+                <a:effectLst/>
+                <a:latin typeface="Söhne"/>
+              </a:rPr>
+              <a:t>: Aid in hydrating state, useful for SSR or local state synchronization.</a:t>
+            </a:r>
+          </a:p>
+        </p:txBody>
+      </p:sp>
+    </p:spTree>
+    <p:extLst>
+      <p:ext uri="{BB962C8B-B14F-4D97-AF65-F5344CB8AC3E}">
+        <p14:creationId xmlns:p14="http://schemas.microsoft.com/office/powerpoint/2010/main" val="3747257203"/>
+      </p:ext>
+    </p:extLst>
+  </p:cSld>
+  <p:clrMapOvr>
+    <a:masterClrMapping/>
+  </p:clrMapOvr>
+</p:sld>
+</file>
+
+<file path=ppt/slides/slide17.xml><?xml version="1.0" encoding="utf-8"?>
+<p:sld xmlns:a="http://schemas.openxmlformats.org/drawingml/2006/main" xmlns:r="http://schemas.openxmlformats.org/officeDocument/2006/relationships" xmlns:p="http://schemas.openxmlformats.org/presentationml/2006/main">
+  <p:cSld>
+    <p:bg>
+      <p:bgPr>
+        <a:solidFill>
+          <a:schemeClr val="bg1"/>
+        </a:solidFill>
+        <a:effectLst/>
+      </p:bgPr>
+    </p:bg>
+    <p:spTree>
+      <p:nvGrpSpPr>
+        <p:cNvPr id="1" name=""/>
+        <p:cNvGrpSpPr/>
+        <p:nvPr/>
+      </p:nvGrpSpPr>
+      <p:grpSpPr>
+        <a:xfrm>
+          <a:off x="0" y="0"/>
+          <a:ext cx="0" cy="0"/>
+          <a:chOff x="0" y="0"/>
+          <a:chExt cx="0" cy="0"/>
+        </a:xfrm>
+      </p:grpSpPr>
+      <p:sp>
+        <p:nvSpPr>
+          <p:cNvPr id="10" name="Down Arrow 7">
+            <a:extLst>
+              <a:ext uri="{FF2B5EF4-FFF2-40B4-BE49-F238E27FC236}">
+                <a16:creationId xmlns:a16="http://schemas.microsoft.com/office/drawing/2014/main" id="{D4771268-CB57-404A-9271-370EB28F6090}"/>
+              </a:ext>
+              <a:ext uri="{C183D7F6-B498-43B3-948B-1728B52AA6E4}">
+                <adec:decorative xmlns:adec="http://schemas.microsoft.com/office/drawing/2017/decorative" val="1"/>
+              </a:ext>
+            </a:extLst>
+          </p:cNvPr>
+          <p:cNvSpPr>
+            <a:spLocks noGrp="1" noRot="1" noChangeAspect="1" noMove="1" noResize="1" noEditPoints="1" noAdjustHandles="1" noChangeArrowheads="1" noChangeShapeType="1" noTextEdit="1"/>
+          </p:cNvSpPr>
+          <p:nvPr>
+            <p:extLst>
+              <p:ext uri="{386F3935-93C4-4BCD-93E2-E3B085C9AB24}">
+                <p16:designElem xmlns:p16="http://schemas.microsoft.com/office/powerpoint/2015/main" val="1"/>
+              </p:ext>
+            </p:extLst>
+          </p:nvPr>
+        </p:nvSpPr>
+        <p:spPr>
+          <a:xfrm rot="16200000">
+            <a:off x="800100" y="1491343"/>
+            <a:ext cx="3333749" cy="3499103"/>
+          </a:xfrm>
+          <a:prstGeom prst="downArrow">
+            <a:avLst>
+              <a:gd name="adj1" fmla="val 100000"/>
+              <a:gd name="adj2" fmla="val 15788"/>
+            </a:avLst>
+          </a:prstGeom>
+          <a:solidFill>
+            <a:srgbClr val="404040"/>
+          </a:solidFill>
+          <a:ln w="53975">
+            <a:noFill/>
+          </a:ln>
+        </p:spPr>
+        <p:style>
+          <a:lnRef idx="2">
+            <a:schemeClr val="accent1">
+              <a:shade val="50000"/>
+            </a:schemeClr>
+          </a:lnRef>
+          <a:fillRef idx="1">
+            <a:schemeClr val="accent1"/>
+          </a:fillRef>
+          <a:effectRef idx="0">
+            <a:schemeClr val="accent1"/>
+          </a:effectRef>
+          <a:fontRef idx="minor">
+            <a:schemeClr val="lt1"/>
+          </a:fontRef>
+        </p:style>
+        <p:txBody>
+          <a:bodyPr rtlCol="0" anchor="ctr"/>
+          <a:lstStyle/>
+          <a:p>
+            <a:pPr algn="ctr"/>
+            <a:endParaRPr lang="en-US"/>
+          </a:p>
+        </p:txBody>
+      </p:sp>
+      <p:sp>
+        <p:nvSpPr>
+          <p:cNvPr id="2" name="Title 1">
+            <a:extLst>
+              <a:ext uri="{FF2B5EF4-FFF2-40B4-BE49-F238E27FC236}">
+                <a16:creationId xmlns:a16="http://schemas.microsoft.com/office/drawing/2014/main" id="{E8C1C3AF-3FB1-7023-BDA3-43B95FAF2864}"/>
+              </a:ext>
+            </a:extLst>
+          </p:cNvPr>
+          <p:cNvSpPr>
+            <a:spLocks noGrp="1"/>
+          </p:cNvSpPr>
+          <p:nvPr>
+            <p:ph type="title"/>
+          </p:nvPr>
+        </p:nvSpPr>
+        <p:spPr>
+          <a:xfrm>
+            <a:off x="1028700" y="1967266"/>
+            <a:ext cx="2628900" cy="2547257"/>
+          </a:xfrm>
+          <a:noFill/>
+        </p:spPr>
+        <p:txBody>
+          <a:bodyPr vert="horz" lIns="91440" tIns="45720" rIns="91440" bIns="45720" rtlCol="0" anchor="ctr">
+            <a:normAutofit/>
+          </a:bodyPr>
+          <a:lstStyle/>
+          <a:p>
+            <a:pPr algn="ctr"/>
+            <a:r>
+              <a:rPr lang="en-US" sz="3600" kern="1200">
+                <a:solidFill>
+                  <a:srgbClr val="FFFFFF"/>
+                </a:solidFill>
+                <a:latin typeface="+mj-lt"/>
+                <a:ea typeface="+mj-ea"/>
+                <a:cs typeface="+mj-cs"/>
+              </a:rPr>
+              <a:t>More control </a:t>
+            </a:r>
+          </a:p>
+        </p:txBody>
+      </p:sp>
+      <p:pic>
+        <p:nvPicPr>
+          <p:cNvPr id="5" name="Content Placeholder 4" descr="A screen shot of a computer program&#10;&#10;Description automatically generated">
+            <a:extLst>
+              <a:ext uri="{FF2B5EF4-FFF2-40B4-BE49-F238E27FC236}">
+                <a16:creationId xmlns:a16="http://schemas.microsoft.com/office/drawing/2014/main" id="{A4D7F381-D800-7F68-B894-0CC9CCC87CFF}"/>
+              </a:ext>
+            </a:extLst>
+          </p:cNvPr>
+          <p:cNvPicPr>
+            <a:picLocks noGrp="1" noChangeAspect="1"/>
+          </p:cNvPicPr>
+          <p:nvPr>
+            <p:ph idx="1"/>
+          </p:nvPr>
+        </p:nvPicPr>
+        <p:blipFill>
+          <a:blip r:embed="rId2"/>
+          <a:stretch>
+            <a:fillRect/>
+          </a:stretch>
+        </p:blipFill>
+        <p:spPr>
+          <a:xfrm>
+            <a:off x="5564281" y="643466"/>
+            <a:ext cx="5206769" cy="5568739"/>
+          </a:xfrm>
+          <a:prstGeom prst="rect">
+            <a:avLst/>
+          </a:prstGeom>
+        </p:spPr>
+      </p:pic>
+    </p:spTree>
+    <p:extLst>
+      <p:ext uri="{BB962C8B-B14F-4D97-AF65-F5344CB8AC3E}">
+        <p14:creationId xmlns:p14="http://schemas.microsoft.com/office/powerpoint/2010/main" val="4238005485"/>
+      </p:ext>
+    </p:extLst>
+  </p:cSld>
+  <p:clrMapOvr>
+    <a:masterClrMapping/>
+  </p:clrMapOvr>
+</p:sld>
+</file>
+
+<file path=ppt/slides/slide18.xml><?xml version="1.0" encoding="utf-8"?>
+<p:sld xmlns:a="http://schemas.openxmlformats.org/drawingml/2006/main" xmlns:r="http://schemas.openxmlformats.org/officeDocument/2006/relationships" xmlns:p="http://schemas.openxmlformats.org/presentationml/2006/main">
+  <p:cSld>
+    <p:spTree>
+      <p:nvGrpSpPr>
+        <p:cNvPr id="1" name=""/>
+        <p:cNvGrpSpPr/>
+        <p:nvPr/>
+      </p:nvGrpSpPr>
+      <p:grpSpPr>
+        <a:xfrm>
+          <a:off x="0" y="0"/>
+          <a:ext cx="0" cy="0"/>
+          <a:chOff x="0" y="0"/>
+          <a:chExt cx="0" cy="0"/>
+        </a:xfrm>
+      </p:grpSpPr>
+      <p:sp>
+        <p:nvSpPr>
+          <p:cNvPr id="2" name="Title 1">
+            <a:extLst>
+              <a:ext uri="{FF2B5EF4-FFF2-40B4-BE49-F238E27FC236}">
+                <a16:creationId xmlns:a16="http://schemas.microsoft.com/office/drawing/2014/main" id="{E8C1C3AF-3FB1-7023-BDA3-43B95FAF2864}"/>
+              </a:ext>
+            </a:extLst>
+          </p:cNvPr>
+          <p:cNvSpPr>
+            <a:spLocks noGrp="1"/>
+          </p:cNvSpPr>
+          <p:nvPr>
+            <p:ph type="title"/>
+          </p:nvPr>
+        </p:nvSpPr>
+        <p:spPr/>
+        <p:txBody>
+          <a:bodyPr/>
+          <a:lstStyle/>
+          <a:p>
+            <a:endParaRPr lang="en-IL"/>
+          </a:p>
+        </p:txBody>
+      </p:sp>
+      <p:sp>
+        <p:nvSpPr>
+          <p:cNvPr id="3" name="Content Placeholder 2">
+            <a:extLst>
+              <a:ext uri="{FF2B5EF4-FFF2-40B4-BE49-F238E27FC236}">
+                <a16:creationId xmlns:a16="http://schemas.microsoft.com/office/drawing/2014/main" id="{75F53FE3-C510-23B2-63D4-7FEE9910905A}"/>
+              </a:ext>
+            </a:extLst>
+          </p:cNvPr>
+          <p:cNvSpPr>
+            <a:spLocks noGrp="1"/>
+          </p:cNvSpPr>
+          <p:nvPr>
+            <p:ph idx="1"/>
+          </p:nvPr>
+        </p:nvSpPr>
+        <p:spPr/>
+        <p:txBody>
+          <a:bodyPr/>
+          <a:lstStyle/>
+          <a:p>
+            <a:endParaRPr lang="en-IL"/>
+          </a:p>
+        </p:txBody>
+      </p:sp>
+    </p:spTree>
+    <p:extLst>
+      <p:ext uri="{BB962C8B-B14F-4D97-AF65-F5344CB8AC3E}">
+        <p14:creationId xmlns:p14="http://schemas.microsoft.com/office/powerpoint/2010/main" val="4232395371"/>
+      </p:ext>
+    </p:extLst>
+  </p:cSld>
+  <p:clrMapOvr>
+    <a:masterClrMapping/>
+  </p:clrMapOvr>
+</p:sld>
+</file>
+
+<file path=ppt/slides/slide19.xml><?xml version="1.0" encoding="utf-8"?>
+<p:sld xmlns:a="http://schemas.openxmlformats.org/drawingml/2006/main" xmlns:r="http://schemas.openxmlformats.org/officeDocument/2006/relationships" xmlns:p="http://schemas.openxmlformats.org/presentationml/2006/main">
+  <p:cSld>
+    <p:spTree>
+      <p:nvGrpSpPr>
+        <p:cNvPr id="1" name=""/>
+        <p:cNvGrpSpPr/>
+        <p:nvPr/>
+      </p:nvGrpSpPr>
+      <p:grpSpPr>
+        <a:xfrm>
+          <a:off x="0" y="0"/>
+          <a:ext cx="0" cy="0"/>
+          <a:chOff x="0" y="0"/>
+          <a:chExt cx="0" cy="0"/>
+        </a:xfrm>
+      </p:grpSpPr>
+      <p:sp>
+        <p:nvSpPr>
+          <p:cNvPr id="2" name="Title 1">
+            <a:extLst>
+              <a:ext uri="{FF2B5EF4-FFF2-40B4-BE49-F238E27FC236}">
+                <a16:creationId xmlns:a16="http://schemas.microsoft.com/office/drawing/2014/main" id="{E8C1C3AF-3FB1-7023-BDA3-43B95FAF2864}"/>
+              </a:ext>
+            </a:extLst>
+          </p:cNvPr>
+          <p:cNvSpPr>
+            <a:spLocks noGrp="1"/>
+          </p:cNvSpPr>
+          <p:nvPr>
+            <p:ph type="title"/>
+          </p:nvPr>
+        </p:nvSpPr>
+        <p:spPr/>
+        <p:txBody>
+          <a:bodyPr/>
+          <a:lstStyle/>
+          <a:p>
+            <a:endParaRPr lang="en-IL"/>
+          </a:p>
+        </p:txBody>
+      </p:sp>
+      <p:sp>
+        <p:nvSpPr>
+          <p:cNvPr id="3" name="Content Placeholder 2">
+            <a:extLst>
+              <a:ext uri="{FF2B5EF4-FFF2-40B4-BE49-F238E27FC236}">
+                <a16:creationId xmlns:a16="http://schemas.microsoft.com/office/drawing/2014/main" id="{75F53FE3-C510-23B2-63D4-7FEE9910905A}"/>
+              </a:ext>
+            </a:extLst>
+          </p:cNvPr>
+          <p:cNvSpPr>
+            <a:spLocks noGrp="1"/>
+          </p:cNvSpPr>
+          <p:nvPr>
+            <p:ph idx="1"/>
+          </p:nvPr>
+        </p:nvSpPr>
+        <p:spPr/>
+        <p:txBody>
+          <a:bodyPr/>
+          <a:lstStyle/>
+          <a:p>
+            <a:endParaRPr lang="en-IL"/>
+          </a:p>
+        </p:txBody>
+      </p:sp>
+    </p:spTree>
+    <p:extLst>
+      <p:ext uri="{BB962C8B-B14F-4D97-AF65-F5344CB8AC3E}">
+        <p14:creationId xmlns:p14="http://schemas.microsoft.com/office/powerpoint/2010/main" val="123526742"/>
+      </p:ext>
+    </p:extLst>
+  </p:cSld>
+  <p:clrMapOvr>
+    <a:masterClrMapping/>
+  </p:clrMapOvr>
+</p:sld>
+</file>
+
 <file path=ppt/slides/slide2.xml><?xml version="1.0" encoding="utf-8"?>
 <p:sld xmlns:a="http://schemas.openxmlformats.org/drawingml/2006/main" xmlns:r="http://schemas.openxmlformats.org/officeDocument/2006/relationships" xmlns:p="http://schemas.openxmlformats.org/presentationml/2006/main">
   <p:cSld>
@@ -7797,6 +9867,86 @@
     <p:extLst>
       <p:ext uri="{BB962C8B-B14F-4D97-AF65-F5344CB8AC3E}">
         <p14:creationId xmlns:p14="http://schemas.microsoft.com/office/powerpoint/2010/main" val="418493917"/>
+      </p:ext>
+    </p:extLst>
+  </p:cSld>
+  <p:clrMapOvr>
+    <a:masterClrMapping/>
+  </p:clrMapOvr>
+</p:sld>
+</file>
+
+<file path=ppt/slides/slide20.xml><?xml version="1.0" encoding="utf-8"?>
+<p:sld xmlns:a="http://schemas.openxmlformats.org/drawingml/2006/main" xmlns:r="http://schemas.openxmlformats.org/officeDocument/2006/relationships" xmlns:p="http://schemas.openxmlformats.org/presentationml/2006/main">
+  <p:cSld>
+    <p:spTree>
+      <p:nvGrpSpPr>
+        <p:cNvPr id="1" name=""/>
+        <p:cNvGrpSpPr/>
+        <p:nvPr/>
+      </p:nvGrpSpPr>
+      <p:grpSpPr>
+        <a:xfrm>
+          <a:off x="0" y="0"/>
+          <a:ext cx="0" cy="0"/>
+          <a:chOff x="0" y="0"/>
+          <a:chExt cx="0" cy="0"/>
+        </a:xfrm>
+      </p:grpSpPr>
+      <p:sp>
+        <p:nvSpPr>
+          <p:cNvPr id="2" name="Title 1">
+            <a:extLst>
+              <a:ext uri="{FF2B5EF4-FFF2-40B4-BE49-F238E27FC236}">
+                <a16:creationId xmlns:a16="http://schemas.microsoft.com/office/drawing/2014/main" id="{E8C1C3AF-3FB1-7023-BDA3-43B95FAF2864}"/>
+              </a:ext>
+            </a:extLst>
+          </p:cNvPr>
+          <p:cNvSpPr>
+            <a:spLocks noGrp="1"/>
+          </p:cNvSpPr>
+          <p:nvPr>
+            <p:ph type="title"/>
+          </p:nvPr>
+        </p:nvSpPr>
+        <p:spPr/>
+        <p:txBody>
+          <a:bodyPr/>
+          <a:lstStyle/>
+          <a:p>
+            <a:endParaRPr lang="en-IL"/>
+          </a:p>
+        </p:txBody>
+      </p:sp>
+      <p:sp>
+        <p:nvSpPr>
+          <p:cNvPr id="3" name="Content Placeholder 2">
+            <a:extLst>
+              <a:ext uri="{FF2B5EF4-FFF2-40B4-BE49-F238E27FC236}">
+                <a16:creationId xmlns:a16="http://schemas.microsoft.com/office/drawing/2014/main" id="{75F53FE3-C510-23B2-63D4-7FEE9910905A}"/>
+              </a:ext>
+            </a:extLst>
+          </p:cNvPr>
+          <p:cNvSpPr>
+            <a:spLocks noGrp="1"/>
+          </p:cNvSpPr>
+          <p:nvPr>
+            <p:ph idx="1"/>
+          </p:nvPr>
+        </p:nvSpPr>
+        <p:spPr/>
+        <p:txBody>
+          <a:bodyPr/>
+          <a:lstStyle/>
+          <a:p>
+            <a:endParaRPr lang="en-IL"/>
+          </a:p>
+        </p:txBody>
+      </p:sp>
+    </p:spTree>
+    <p:extLst>
+      <p:ext uri="{BB962C8B-B14F-4D97-AF65-F5344CB8AC3E}">
+        <p14:creationId xmlns:p14="http://schemas.microsoft.com/office/powerpoint/2010/main" val="2813691419"/>
       </p:ext>
     </p:extLst>
   </p:cSld>
@@ -25704,7 +27854,17 @@
           <a:bodyPr/>
           <a:lstStyle/>
           <a:p>
-            <a:endParaRPr lang="en-IL"/>
+            <a:r>
+              <a:rPr lang="en-US" b="0" i="0" dirty="0" err="1">
+                <a:solidFill>
+                  <a:srgbClr val="374151"/>
+                </a:solidFill>
+                <a:effectLst/>
+                <a:latin typeface="Söhne"/>
+              </a:rPr>
+              <a:t>useMutation</a:t>
+            </a:r>
+            <a:endParaRPr lang="en-IL" dirty="0"/>
           </a:p>
         </p:txBody>
       </p:sp>
@@ -25729,7 +27889,171 @@
           <a:bodyPr/>
           <a:lstStyle/>
           <a:p>
-            <a:endParaRPr lang="en-IL"/>
+            <a:pPr algn="l">
+              <a:buFont typeface="Arial" panose="020B0604020202020204" pitchFamily="34" charset="0"/>
+              <a:buChar char="•"/>
+            </a:pPr>
+            <a:r>
+              <a:rPr lang="en-US" b="0" i="0" dirty="0">
+                <a:solidFill>
+                  <a:srgbClr val="374151"/>
+                </a:solidFill>
+                <a:effectLst/>
+                <a:latin typeface="Söhne"/>
+              </a:rPr>
+              <a:t>Optimistic Updates</a:t>
+            </a:r>
+          </a:p>
+          <a:p>
+            <a:pPr algn="l">
+              <a:buFont typeface="Arial" panose="020B0604020202020204" pitchFamily="34" charset="0"/>
+              <a:buChar char="•"/>
+            </a:pPr>
+            <a:r>
+              <a:rPr lang="en-US" b="0" i="0" dirty="0">
+                <a:solidFill>
+                  <a:srgbClr val="374151"/>
+                </a:solidFill>
+                <a:effectLst/>
+                <a:latin typeface="Söhne"/>
+              </a:rPr>
+              <a:t>Auto Retries</a:t>
+            </a:r>
+          </a:p>
+          <a:p>
+            <a:pPr algn="l">
+              <a:buFont typeface="Arial" panose="020B0604020202020204" pitchFamily="34" charset="0"/>
+              <a:buChar char="•"/>
+            </a:pPr>
+            <a:r>
+              <a:rPr lang="en-US" b="0" i="0" dirty="0">
+                <a:solidFill>
+                  <a:srgbClr val="374151"/>
+                </a:solidFill>
+                <a:effectLst/>
+                <a:latin typeface="Söhne"/>
+              </a:rPr>
+              <a:t>Callbacks: </a:t>
+            </a:r>
+            <a:r>
+              <a:rPr lang="en-US" b="0" i="0" dirty="0" err="1">
+                <a:solidFill>
+                  <a:srgbClr val="374151"/>
+                </a:solidFill>
+                <a:effectLst/>
+                <a:latin typeface="Söhne"/>
+              </a:rPr>
+              <a:t>onMutate</a:t>
+            </a:r>
+            <a:r>
+              <a:rPr lang="en-US" b="0" i="0" dirty="0">
+                <a:solidFill>
+                  <a:srgbClr val="374151"/>
+                </a:solidFill>
+                <a:effectLst/>
+                <a:latin typeface="Söhne"/>
+              </a:rPr>
+              <a:t>, </a:t>
+            </a:r>
+            <a:r>
+              <a:rPr lang="en-US" b="0" i="0" dirty="0" err="1">
+                <a:solidFill>
+                  <a:srgbClr val="374151"/>
+                </a:solidFill>
+                <a:effectLst/>
+                <a:latin typeface="Söhne"/>
+              </a:rPr>
+              <a:t>onSuccess</a:t>
+            </a:r>
+            <a:r>
+              <a:rPr lang="en-US" b="0" i="0" dirty="0">
+                <a:solidFill>
+                  <a:srgbClr val="374151"/>
+                </a:solidFill>
+                <a:effectLst/>
+                <a:latin typeface="Söhne"/>
+              </a:rPr>
+              <a:t>, </a:t>
+            </a:r>
+            <a:r>
+              <a:rPr lang="en-US" b="0" i="0" dirty="0" err="1">
+                <a:solidFill>
+                  <a:srgbClr val="374151"/>
+                </a:solidFill>
+                <a:effectLst/>
+                <a:latin typeface="Söhne"/>
+              </a:rPr>
+              <a:t>onError</a:t>
+            </a:r>
+            <a:r>
+              <a:rPr lang="en-US" b="0" i="0" dirty="0">
+                <a:solidFill>
+                  <a:srgbClr val="374151"/>
+                </a:solidFill>
+                <a:effectLst/>
+                <a:latin typeface="Söhne"/>
+              </a:rPr>
+              <a:t>, </a:t>
+            </a:r>
+            <a:r>
+              <a:rPr lang="en-US" b="0" i="0" dirty="0" err="1">
+                <a:solidFill>
+                  <a:srgbClr val="374151"/>
+                </a:solidFill>
+                <a:effectLst/>
+                <a:latin typeface="Söhne"/>
+              </a:rPr>
+              <a:t>onSettled</a:t>
+            </a:r>
+            <a:endParaRPr lang="en-US" b="0" i="0" dirty="0">
+              <a:solidFill>
+                <a:srgbClr val="374151"/>
+              </a:solidFill>
+              <a:effectLst/>
+              <a:latin typeface="Söhne"/>
+            </a:endParaRPr>
+          </a:p>
+          <a:p>
+            <a:pPr algn="l">
+              <a:buFont typeface="Arial" panose="020B0604020202020204" pitchFamily="34" charset="0"/>
+              <a:buChar char="•"/>
+            </a:pPr>
+            <a:r>
+              <a:rPr lang="en-US" b="0" i="0" dirty="0">
+                <a:solidFill>
+                  <a:srgbClr val="374151"/>
+                </a:solidFill>
+                <a:effectLst/>
+                <a:latin typeface="Söhne"/>
+              </a:rPr>
+              <a:t>Invalidate and </a:t>
+            </a:r>
+            <a:r>
+              <a:rPr lang="en-US" b="0" i="0" dirty="0" err="1">
+                <a:solidFill>
+                  <a:srgbClr val="374151"/>
+                </a:solidFill>
+                <a:effectLst/>
+                <a:latin typeface="Söhne"/>
+              </a:rPr>
+              <a:t>Refetch</a:t>
+            </a:r>
+            <a:r>
+              <a:rPr lang="en-US" b="0" i="0" dirty="0">
+                <a:solidFill>
+                  <a:srgbClr val="374151"/>
+                </a:solidFill>
+                <a:effectLst/>
+                <a:latin typeface="Söhne"/>
+              </a:rPr>
+              <a:t> Queries</a:t>
+            </a:r>
+          </a:p>
+          <a:p>
+            <a:pPr marL="0" indent="0">
+              <a:buNone/>
+            </a:pPr>
+            <a:endParaRPr lang="en-IL" dirty="0"/>
           </a:p>
         </p:txBody>
       </p:sp>
